--- a/ESRS Posters/ESRS-posters-v2.pptx
+++ b/ESRS Posters/ESRS-posters-v2.pptx
@@ -10,8 +10,8 @@
   <p:sldIdLst>
     <p:sldId id="256" r:id="rId2"/>
     <p:sldId id="257" r:id="rId3"/>
-    <p:sldId id="259" r:id="rId4"/>
-    <p:sldId id="258" r:id="rId5"/>
+    <p:sldId id="258" r:id="rId4"/>
+    <p:sldId id="259" r:id="rId5"/>
   </p:sldIdLst>
   <p:sldSz cx="50399950" cy="32399288"/>
   <p:notesSz cx="6858000" cy="9144000"/>
@@ -533,7 +533,7 @@
           <a:p>
             <a:fld id="{92D42430-5241-44C5-9721-32CC824660E1}" type="slidenum">
               <a:rPr lang="en-AU" smtClean="0"/>
-              <a:t>4</a:t>
+              <a:t>3</a:t>
             </a:fld>
             <a:endParaRPr lang="en-AU"/>
           </a:p>
@@ -3795,145 +3795,94 @@
           </a:p>
         </p:txBody>
       </p:sp>
-      <p:grpSp>
-        <p:nvGrpSpPr>
-          <p:cNvPr id="3" name="Group 2">
+      <p:sp>
+        <p:nvSpPr>
+          <p:cNvPr id="36" name="Rectangle: Rounded Corners 35">
             <a:extLst>
               <a:ext uri="{FF2B5EF4-FFF2-40B4-BE49-F238E27FC236}">
-                <a16:creationId xmlns:a16="http://schemas.microsoft.com/office/drawing/2014/main" id="{E616B859-35A7-2385-1910-FC6AB16623CE}"/>
+                <a16:creationId xmlns:a16="http://schemas.microsoft.com/office/drawing/2014/main" id="{982BBF38-C113-40B4-374C-E3858159952F}"/>
               </a:ext>
             </a:extLst>
           </p:cNvPr>
-          <p:cNvGrpSpPr/>
+          <p:cNvSpPr/>
           <p:nvPr/>
-        </p:nvGrpSpPr>
-        <p:grpSpPr>
+        </p:nvSpPr>
+        <p:spPr>
           <a:xfrm>
             <a:off x="1219678" y="26444978"/>
             <a:ext cx="3981986" cy="4968240"/>
-            <a:chOff x="31023771" y="26798938"/>
-            <a:chExt cx="3981986" cy="4968240"/>
           </a:xfrm>
-        </p:grpSpPr>
-        <p:sp>
-          <p:nvSpPr>
-            <p:cNvPr id="36" name="Rectangle: Rounded Corners 35">
-              <a:extLst>
-                <a:ext uri="{FF2B5EF4-FFF2-40B4-BE49-F238E27FC236}">
-                  <a16:creationId xmlns:a16="http://schemas.microsoft.com/office/drawing/2014/main" id="{982BBF38-C113-40B4-374C-E3858159952F}"/>
-                </a:ext>
-              </a:extLst>
-            </p:cNvPr>
-            <p:cNvSpPr/>
-            <p:nvPr/>
-          </p:nvSpPr>
-          <p:spPr>
-            <a:xfrm>
-              <a:off x="31023771" y="26798938"/>
-              <a:ext cx="3981986" cy="4968240"/>
-            </a:xfrm>
-            <a:prstGeom prst="roundRect">
-              <a:avLst/>
-            </a:prstGeom>
-            <a:solidFill>
-              <a:schemeClr val="bg1"/>
-            </a:solidFill>
-            <a:ln>
-              <a:noFill/>
-            </a:ln>
-          </p:spPr>
-          <p:style>
-            <a:lnRef idx="2">
-              <a:schemeClr val="accent1">
-                <a:shade val="15000"/>
-              </a:schemeClr>
-            </a:lnRef>
-            <a:fillRef idx="1">
-              <a:schemeClr val="accent1"/>
-            </a:fillRef>
-            <a:effectRef idx="0">
-              <a:schemeClr val="accent1"/>
-            </a:effectRef>
-            <a:fontRef idx="minor">
-              <a:schemeClr val="lt1"/>
-            </a:fontRef>
-          </p:style>
-          <p:txBody>
-            <a:bodyPr rtlCol="0" anchor="ctr"/>
-            <a:lstStyle/>
-            <a:p>
-              <a:pPr algn="ctr"/>
-              <a:endParaRPr lang="en-AU" dirty="0"/>
-            </a:p>
-          </p:txBody>
-        </p:sp>
-        <p:sp>
-          <p:nvSpPr>
-            <p:cNvPr id="4" name="TextBox 3">
-              <a:extLst>
-                <a:ext uri="{FF2B5EF4-FFF2-40B4-BE49-F238E27FC236}">
-                  <a16:creationId xmlns:a16="http://schemas.microsoft.com/office/drawing/2014/main" id="{E325D0C7-0619-0A8C-E5D8-809352E575D5}"/>
-                </a:ext>
-              </a:extLst>
-            </p:cNvPr>
-            <p:cNvSpPr txBox="1"/>
-            <p:nvPr/>
-          </p:nvSpPr>
-          <p:spPr>
-            <a:xfrm>
-              <a:off x="31820009" y="30587642"/>
-              <a:ext cx="2477524" cy="707886"/>
-            </a:xfrm>
-            <a:prstGeom prst="rect">
-              <a:avLst/>
-            </a:prstGeom>
+          <a:prstGeom prst="roundRect">
+            <a:avLst/>
+          </a:prstGeom>
+          <a:solidFill>
+            <a:schemeClr val="bg1"/>
+          </a:solidFill>
+          <a:ln>
             <a:noFill/>
-          </p:spPr>
-          <p:txBody>
-            <a:bodyPr wrap="square" rtlCol="0">
-              <a:spAutoFit/>
-            </a:bodyPr>
-            <a:lstStyle/>
-            <a:p>
-              <a:r>
-                <a:rPr lang="en-US" sz="4000" b="1" dirty="0"/>
-                <a:t>SCAN ME</a:t>
-              </a:r>
-              <a:endParaRPr lang="en-AU" sz="4000" b="1" dirty="0"/>
-            </a:p>
-          </p:txBody>
-        </p:sp>
-        <p:pic>
-          <p:nvPicPr>
-            <p:cNvPr id="6" name="Picture 5">
-              <a:extLst>
-                <a:ext uri="{FF2B5EF4-FFF2-40B4-BE49-F238E27FC236}">
-                  <a16:creationId xmlns:a16="http://schemas.microsoft.com/office/drawing/2014/main" id="{5B7ED594-206D-BC8C-D861-4CC7EFB65BAC}"/>
-                </a:ext>
-              </a:extLst>
-            </p:cNvPr>
-            <p:cNvPicPr>
-              <a:picLocks noChangeAspect="1"/>
-            </p:cNvPicPr>
-            <p:nvPr/>
-          </p:nvPicPr>
-          <p:blipFill>
-            <a:blip r:embed="rId3"/>
-            <a:stretch>
-              <a:fillRect/>
-            </a:stretch>
-          </p:blipFill>
-          <p:spPr>
-            <a:xfrm>
-              <a:off x="31359844" y="27211652"/>
-              <a:ext cx="3309840" cy="3327947"/>
-            </a:xfrm>
-            <a:prstGeom prst="rect">
-              <a:avLst/>
-            </a:prstGeom>
-          </p:spPr>
-        </p:pic>
-      </p:grpSp>
+          </a:ln>
+        </p:spPr>
+        <p:style>
+          <a:lnRef idx="2">
+            <a:schemeClr val="accent1">
+              <a:shade val="15000"/>
+            </a:schemeClr>
+          </a:lnRef>
+          <a:fillRef idx="1">
+            <a:schemeClr val="accent1"/>
+          </a:fillRef>
+          <a:effectRef idx="0">
+            <a:schemeClr val="accent1"/>
+          </a:effectRef>
+          <a:fontRef idx="minor">
+            <a:schemeClr val="lt1"/>
+          </a:fontRef>
+        </p:style>
+        <p:txBody>
+          <a:bodyPr rtlCol="0" anchor="ctr"/>
+          <a:lstStyle/>
+          <a:p>
+            <a:pPr algn="ctr"/>
+            <a:endParaRPr lang="en-AU" dirty="0"/>
+          </a:p>
+        </p:txBody>
+      </p:sp>
+      <p:sp>
+        <p:nvSpPr>
+          <p:cNvPr id="4" name="TextBox 3">
+            <a:extLst>
+              <a:ext uri="{FF2B5EF4-FFF2-40B4-BE49-F238E27FC236}">
+                <a16:creationId xmlns:a16="http://schemas.microsoft.com/office/drawing/2014/main" id="{E325D0C7-0619-0A8C-E5D8-809352E575D5}"/>
+              </a:ext>
+            </a:extLst>
+          </p:cNvPr>
+          <p:cNvSpPr txBox="1"/>
+          <p:nvPr/>
+        </p:nvSpPr>
+        <p:spPr>
+          <a:xfrm>
+            <a:off x="2015916" y="30233682"/>
+            <a:ext cx="2477524" cy="707886"/>
+          </a:xfrm>
+          <a:prstGeom prst="rect">
+            <a:avLst/>
+          </a:prstGeom>
+          <a:noFill/>
+        </p:spPr>
+        <p:txBody>
+          <a:bodyPr wrap="square" rtlCol="0">
+            <a:spAutoFit/>
+          </a:bodyPr>
+          <a:lstStyle/>
+          <a:p>
+            <a:r>
+              <a:rPr lang="en-US" sz="4000" b="1" dirty="0"/>
+              <a:t>SCAN ME</a:t>
+            </a:r>
+            <a:endParaRPr lang="en-AU" sz="4000" b="1" dirty="0"/>
+          </a:p>
+        </p:txBody>
+      </p:sp>
       <p:grpSp>
         <p:nvGrpSpPr>
           <p:cNvPr id="8" name="Group 7">
@@ -3969,7 +3918,7 @@
             <p:nvPr/>
           </p:nvPicPr>
           <p:blipFill>
-            <a:blip r:embed="rId4"/>
+            <a:blip r:embed="rId3"/>
             <a:stretch>
               <a:fillRect/>
             </a:stretch>
@@ -4654,7 +4603,7 @@
               <p:nvPr/>
             </p:nvPicPr>
             <p:blipFill>
-              <a:blip r:embed="rId5">
+              <a:blip r:embed="rId4">
                 <a:duotone>
                   <a:prstClr val="black"/>
                   <a:schemeClr val="tx1">
@@ -4665,7 +4614,7 @@
                 <a:extLst>
                   <a:ext uri="{BEBA8EAE-BF5A-486C-A8C5-ECC9F3942E4B}">
                     <a14:imgProps xmlns:a14="http://schemas.microsoft.com/office/drawing/2010/main">
-                      <a14:imgLayer r:embed="rId6">
+                      <a14:imgLayer r:embed="rId5">
                         <a14:imgEffect>
                           <a14:artisticGlowEdges/>
                         </a14:imgEffect>
@@ -4706,10 +4655,10 @@
               <p:nvPr/>
             </p:nvPicPr>
             <p:blipFill>
-              <a:blip r:embed="rId7">
+              <a:blip r:embed="rId6">
                 <a:extLst>
                   <a:ext uri="{96DAC541-7B7A-43D3-8B79-37D633B846F1}">
-                    <asvg:svgBlip xmlns:asvg="http://schemas.microsoft.com/office/drawing/2016/SVG/main" r:embed="rId8"/>
+                    <asvg:svgBlip xmlns:asvg="http://schemas.microsoft.com/office/drawing/2016/SVG/main" r:embed="rId7"/>
                   </a:ext>
                 </a:extLst>
               </a:blip>
@@ -4744,7 +4693,7 @@
           <p:nvPr/>
         </p:nvPicPr>
         <p:blipFill>
-          <a:blip r:embed="rId9"/>
+          <a:blip r:embed="rId8"/>
           <a:stretch>
             <a:fillRect/>
           </a:stretch>
@@ -4802,6 +4751,36 @@
           </a:p>
         </p:txBody>
       </p:sp>
+      <p:pic>
+        <p:nvPicPr>
+          <p:cNvPr id="10" name="Picture 9">
+            <a:extLst>
+              <a:ext uri="{FF2B5EF4-FFF2-40B4-BE49-F238E27FC236}">
+                <a16:creationId xmlns:a16="http://schemas.microsoft.com/office/drawing/2014/main" id="{B29689B5-64B8-0B26-A6E6-1B64B5BDA7A9}"/>
+              </a:ext>
+            </a:extLst>
+          </p:cNvPr>
+          <p:cNvPicPr>
+            <a:picLocks noChangeAspect="1"/>
+          </p:cNvPicPr>
+          <p:nvPr/>
+        </p:nvPicPr>
+        <p:blipFill>
+          <a:blip r:embed="rId9"/>
+          <a:stretch>
+            <a:fillRect/>
+          </a:stretch>
+        </p:blipFill>
+        <p:spPr>
+          <a:xfrm>
+            <a:off x="1611017" y="26977276"/>
+            <a:ext cx="3287321" cy="3256406"/>
+          </a:xfrm>
+          <a:prstGeom prst="rect">
+            <a:avLst/>
+          </a:prstGeom>
+        </p:spPr>
+      </p:pic>
     </p:spTree>
     <p:extLst>
       <p:ext uri="{BB962C8B-B14F-4D97-AF65-F5344CB8AC3E}">
@@ -6055,145 +6034,94 @@
           </p:spPr>
         </p:pic>
       </p:grpSp>
-      <p:grpSp>
-        <p:nvGrpSpPr>
-          <p:cNvPr id="23" name="Group 22">
+      <p:sp>
+        <p:nvSpPr>
+          <p:cNvPr id="6" name="Rectangle: Rounded Corners 5">
             <a:extLst>
               <a:ext uri="{FF2B5EF4-FFF2-40B4-BE49-F238E27FC236}">
-                <a16:creationId xmlns:a16="http://schemas.microsoft.com/office/drawing/2014/main" id="{5F9961AC-826A-1F43-19E6-A3B8DCFBA7DD}"/>
+                <a16:creationId xmlns:a16="http://schemas.microsoft.com/office/drawing/2014/main" id="{A4AEFF63-6A28-7BDA-0D3E-40CB5636B826}"/>
               </a:ext>
             </a:extLst>
           </p:cNvPr>
-          <p:cNvGrpSpPr/>
+          <p:cNvSpPr/>
           <p:nvPr/>
-        </p:nvGrpSpPr>
-        <p:grpSpPr>
+        </p:nvSpPr>
+        <p:spPr>
           <a:xfrm>
             <a:off x="1098022" y="26440412"/>
             <a:ext cx="3981986" cy="4968240"/>
-            <a:chOff x="32239974" y="26761440"/>
-            <a:chExt cx="3981986" cy="4968240"/>
           </a:xfrm>
-        </p:grpSpPr>
-        <p:sp>
-          <p:nvSpPr>
-            <p:cNvPr id="6" name="Rectangle: Rounded Corners 5">
-              <a:extLst>
-                <a:ext uri="{FF2B5EF4-FFF2-40B4-BE49-F238E27FC236}">
-                  <a16:creationId xmlns:a16="http://schemas.microsoft.com/office/drawing/2014/main" id="{A4AEFF63-6A28-7BDA-0D3E-40CB5636B826}"/>
-                </a:ext>
-              </a:extLst>
-            </p:cNvPr>
-            <p:cNvSpPr/>
-            <p:nvPr/>
-          </p:nvSpPr>
-          <p:spPr>
-            <a:xfrm>
-              <a:off x="32239974" y="26761440"/>
-              <a:ext cx="3981986" cy="4968240"/>
-            </a:xfrm>
-            <a:prstGeom prst="roundRect">
-              <a:avLst/>
-            </a:prstGeom>
-            <a:solidFill>
-              <a:schemeClr val="bg1"/>
-            </a:solidFill>
-            <a:ln>
-              <a:noFill/>
-            </a:ln>
-          </p:spPr>
-          <p:style>
-            <a:lnRef idx="2">
-              <a:schemeClr val="accent1">
-                <a:shade val="15000"/>
-              </a:schemeClr>
-            </a:lnRef>
-            <a:fillRef idx="1">
-              <a:schemeClr val="accent1"/>
-            </a:fillRef>
-            <a:effectRef idx="0">
-              <a:schemeClr val="accent1"/>
-            </a:effectRef>
-            <a:fontRef idx="minor">
-              <a:schemeClr val="lt1"/>
-            </a:fontRef>
-          </p:style>
-          <p:txBody>
-            <a:bodyPr rtlCol="0" anchor="ctr"/>
-            <a:lstStyle/>
-            <a:p>
-              <a:pPr algn="ctr"/>
-              <a:endParaRPr lang="en-AU" dirty="0"/>
-            </a:p>
-          </p:txBody>
-        </p:sp>
-        <p:sp>
-          <p:nvSpPr>
-            <p:cNvPr id="13" name="TextBox 12">
-              <a:extLst>
-                <a:ext uri="{FF2B5EF4-FFF2-40B4-BE49-F238E27FC236}">
-                  <a16:creationId xmlns:a16="http://schemas.microsoft.com/office/drawing/2014/main" id="{734D390A-164E-E60D-8B12-383B5FAB2B63}"/>
-                </a:ext>
-              </a:extLst>
-            </p:cNvPr>
-            <p:cNvSpPr txBox="1"/>
-            <p:nvPr/>
-          </p:nvSpPr>
-          <p:spPr>
-            <a:xfrm>
-              <a:off x="33090773" y="30571440"/>
-              <a:ext cx="2477524" cy="707886"/>
-            </a:xfrm>
-            <a:prstGeom prst="rect">
-              <a:avLst/>
-            </a:prstGeom>
+          <a:prstGeom prst="roundRect">
+            <a:avLst/>
+          </a:prstGeom>
+          <a:solidFill>
+            <a:schemeClr val="bg1"/>
+          </a:solidFill>
+          <a:ln>
             <a:noFill/>
-          </p:spPr>
-          <p:txBody>
-            <a:bodyPr wrap="square" rtlCol="0">
-              <a:spAutoFit/>
-            </a:bodyPr>
-            <a:lstStyle/>
-            <a:p>
-              <a:r>
-                <a:rPr lang="en-US" sz="4000" b="1" dirty="0"/>
-                <a:t>SCAN ME</a:t>
-              </a:r>
-              <a:endParaRPr lang="en-AU" sz="4000" b="1" dirty="0"/>
-            </a:p>
-          </p:txBody>
-        </p:sp>
-        <p:pic>
-          <p:nvPicPr>
-            <p:cNvPr id="3" name="Picture 2">
-              <a:extLst>
-                <a:ext uri="{FF2B5EF4-FFF2-40B4-BE49-F238E27FC236}">
-                  <a16:creationId xmlns:a16="http://schemas.microsoft.com/office/drawing/2014/main" id="{B8FF5C06-2D57-7EA7-1C11-1CDA68101467}"/>
-                </a:ext>
-              </a:extLst>
-            </p:cNvPr>
-            <p:cNvPicPr>
-              <a:picLocks noChangeAspect="1"/>
-            </p:cNvPicPr>
-            <p:nvPr/>
-          </p:nvPicPr>
-          <p:blipFill>
-            <a:blip r:embed="rId17"/>
-            <a:stretch>
-              <a:fillRect/>
-            </a:stretch>
-          </p:blipFill>
-          <p:spPr>
-            <a:xfrm>
-              <a:off x="32635040" y="27312628"/>
-              <a:ext cx="3270399" cy="3156881"/>
-            </a:xfrm>
-            <a:prstGeom prst="rect">
-              <a:avLst/>
-            </a:prstGeom>
-          </p:spPr>
-        </p:pic>
-      </p:grpSp>
+          </a:ln>
+        </p:spPr>
+        <p:style>
+          <a:lnRef idx="2">
+            <a:schemeClr val="accent1">
+              <a:shade val="15000"/>
+            </a:schemeClr>
+          </a:lnRef>
+          <a:fillRef idx="1">
+            <a:schemeClr val="accent1"/>
+          </a:fillRef>
+          <a:effectRef idx="0">
+            <a:schemeClr val="accent1"/>
+          </a:effectRef>
+          <a:fontRef idx="minor">
+            <a:schemeClr val="lt1"/>
+          </a:fontRef>
+        </p:style>
+        <p:txBody>
+          <a:bodyPr rtlCol="0" anchor="ctr"/>
+          <a:lstStyle/>
+          <a:p>
+            <a:pPr algn="ctr"/>
+            <a:endParaRPr lang="en-AU" dirty="0"/>
+          </a:p>
+        </p:txBody>
+      </p:sp>
+      <p:sp>
+        <p:nvSpPr>
+          <p:cNvPr id="13" name="TextBox 12">
+            <a:extLst>
+              <a:ext uri="{FF2B5EF4-FFF2-40B4-BE49-F238E27FC236}">
+                <a16:creationId xmlns:a16="http://schemas.microsoft.com/office/drawing/2014/main" id="{734D390A-164E-E60D-8B12-383B5FAB2B63}"/>
+              </a:ext>
+            </a:extLst>
+          </p:cNvPr>
+          <p:cNvSpPr txBox="1"/>
+          <p:nvPr/>
+        </p:nvSpPr>
+        <p:spPr>
+          <a:xfrm>
+            <a:off x="1948821" y="30250412"/>
+            <a:ext cx="2477524" cy="707886"/>
+          </a:xfrm>
+          <a:prstGeom prst="rect">
+            <a:avLst/>
+          </a:prstGeom>
+          <a:noFill/>
+        </p:spPr>
+        <p:txBody>
+          <a:bodyPr wrap="square" rtlCol="0">
+            <a:spAutoFit/>
+          </a:bodyPr>
+          <a:lstStyle/>
+          <a:p>
+            <a:r>
+              <a:rPr lang="en-US" sz="4000" b="1" dirty="0"/>
+              <a:t>SCAN ME</a:t>
+            </a:r>
+            <a:endParaRPr lang="en-AU" sz="4000" b="1" dirty="0"/>
+          </a:p>
+        </p:txBody>
+      </p:sp>
       <p:grpSp>
         <p:nvGrpSpPr>
           <p:cNvPr id="37" name="Group 36">
@@ -6336,7 +6264,7 @@
             <p:nvPr/>
           </p:nvPicPr>
           <p:blipFill>
-            <a:blip r:embed="rId18"/>
+            <a:blip r:embed="rId17"/>
             <a:stretch>
               <a:fillRect/>
             </a:stretch>
@@ -6425,7 +6353,7 @@
             <p:nvPr/>
           </p:nvPicPr>
           <p:blipFill>
-            <a:blip r:embed="rId19"/>
+            <a:blip r:embed="rId18"/>
             <a:stretch>
               <a:fillRect/>
             </a:stretch>
@@ -6581,7 +6509,7 @@
             <p:nvPr/>
           </p:nvPicPr>
           <p:blipFill>
-            <a:blip r:embed="rId20"/>
+            <a:blip r:embed="rId19"/>
             <a:stretch>
               <a:fillRect/>
             </a:stretch>
@@ -6611,7 +6539,7 @@
             <p:nvPr/>
           </p:nvPicPr>
           <p:blipFill>
-            <a:blip r:embed="rId21"/>
+            <a:blip r:embed="rId20"/>
             <a:stretch>
               <a:fillRect/>
             </a:stretch>
@@ -7090,7 +7018,7 @@
               <p:nvPr/>
             </p:nvPicPr>
             <p:blipFill>
-              <a:blip r:embed="rId22">
+              <a:blip r:embed="rId21">
                 <a:duotone>
                   <a:prstClr val="black"/>
                   <a:schemeClr val="tx1">
@@ -7101,7 +7029,7 @@
                 <a:extLst>
                   <a:ext uri="{BEBA8EAE-BF5A-486C-A8C5-ECC9F3942E4B}">
                     <a14:imgProps xmlns:a14="http://schemas.microsoft.com/office/drawing/2010/main">
-                      <a14:imgLayer r:embed="rId23">
+                      <a14:imgLayer r:embed="rId22">
                         <a14:imgEffect>
                           <a14:artisticGlowEdges/>
                         </a14:imgEffect>
@@ -7142,10 +7070,10 @@
               <p:nvPr/>
             </p:nvPicPr>
             <p:blipFill>
-              <a:blip r:embed="rId24">
+              <a:blip r:embed="rId23">
                 <a:extLst>
                   <a:ext uri="{96DAC541-7B7A-43D3-8B79-37D633B846F1}">
-                    <asvg:svgBlip xmlns:asvg="http://schemas.microsoft.com/office/drawing/2016/SVG/main" r:embed="rId25"/>
+                    <asvg:svgBlip xmlns:asvg="http://schemas.microsoft.com/office/drawing/2016/SVG/main" r:embed="rId24"/>
                   </a:ext>
                 </a:extLst>
               </a:blip>
@@ -7344,6 +7272,36 @@
           </a:p>
         </p:txBody>
       </p:sp>
+      <p:pic>
+        <p:nvPicPr>
+          <p:cNvPr id="7" name="Picture 6">
+            <a:extLst>
+              <a:ext uri="{FF2B5EF4-FFF2-40B4-BE49-F238E27FC236}">
+                <a16:creationId xmlns:a16="http://schemas.microsoft.com/office/drawing/2014/main" id="{930A389A-A185-BD1C-F5F8-9F004EA73F41}"/>
+              </a:ext>
+            </a:extLst>
+          </p:cNvPr>
+          <p:cNvPicPr>
+            <a:picLocks noChangeAspect="1"/>
+          </p:cNvPicPr>
+          <p:nvPr/>
+        </p:nvPicPr>
+        <p:blipFill>
+          <a:blip r:embed="rId25"/>
+          <a:stretch>
+            <a:fillRect/>
+          </a:stretch>
+        </p:blipFill>
+        <p:spPr>
+          <a:xfrm>
+            <a:off x="1415668" y="27024337"/>
+            <a:ext cx="3346693" cy="3194571"/>
+          </a:xfrm>
+          <a:prstGeom prst="rect">
+            <a:avLst/>
+          </a:prstGeom>
+        </p:spPr>
+      </p:pic>
     </p:spTree>
     <p:extLst>
       <p:ext uri="{BB962C8B-B14F-4D97-AF65-F5344CB8AC3E}">
@@ -7358,6 +7316,1857 @@
 </file>
 
 <file path=ppt/slides/slide3.xml><?xml version="1.0" encoding="utf-8"?>
+<p:sld xmlns:a="http://schemas.openxmlformats.org/drawingml/2006/main" xmlns:r="http://schemas.openxmlformats.org/officeDocument/2006/relationships" xmlns:p="http://schemas.openxmlformats.org/presentationml/2006/main">
+  <p:cSld>
+    <p:spTree>
+      <p:nvGrpSpPr>
+        <p:cNvPr id="1" name=""/>
+        <p:cNvGrpSpPr/>
+        <p:nvPr/>
+      </p:nvGrpSpPr>
+      <p:grpSpPr>
+        <a:xfrm>
+          <a:off x="0" y="0"/>
+          <a:ext cx="0" cy="0"/>
+          <a:chOff x="0" y="0"/>
+          <a:chExt cx="0" cy="0"/>
+        </a:xfrm>
+      </p:grpSpPr>
+      <p:pic>
+        <p:nvPicPr>
+          <p:cNvPr id="9" name="Picture 8">
+            <a:extLst>
+              <a:ext uri="{FF2B5EF4-FFF2-40B4-BE49-F238E27FC236}">
+                <a16:creationId xmlns:a16="http://schemas.microsoft.com/office/drawing/2014/main" id="{E7CF0C18-62A3-DBF8-8A4C-6AE28572F86D}"/>
+              </a:ext>
+            </a:extLst>
+          </p:cNvPr>
+          <p:cNvPicPr>
+            <a:picLocks noChangeAspect="1"/>
+          </p:cNvPicPr>
+          <p:nvPr/>
+        </p:nvPicPr>
+        <p:blipFill>
+          <a:blip r:embed="rId3"/>
+          <a:stretch>
+            <a:fillRect/>
+          </a:stretch>
+        </p:blipFill>
+        <p:spPr>
+          <a:xfrm>
+            <a:off x="37495749" y="232517"/>
+            <a:ext cx="11385329" cy="8843542"/>
+          </a:xfrm>
+          <a:prstGeom prst="rect">
+            <a:avLst/>
+          </a:prstGeom>
+        </p:spPr>
+      </p:pic>
+      <p:pic>
+        <p:nvPicPr>
+          <p:cNvPr id="46" name="Picture 45">
+            <a:extLst>
+              <a:ext uri="{FF2B5EF4-FFF2-40B4-BE49-F238E27FC236}">
+                <a16:creationId xmlns:a16="http://schemas.microsoft.com/office/drawing/2014/main" id="{66AF8855-A1F1-2C85-0E21-9755F7C247AB}"/>
+              </a:ext>
+            </a:extLst>
+          </p:cNvPr>
+          <p:cNvPicPr>
+            <a:picLocks noChangeAspect="1"/>
+          </p:cNvPicPr>
+          <p:nvPr/>
+        </p:nvPicPr>
+        <p:blipFill>
+          <a:blip r:embed="rId4"/>
+          <a:stretch>
+            <a:fillRect/>
+          </a:stretch>
+        </p:blipFill>
+        <p:spPr>
+          <a:xfrm>
+            <a:off x="38137805" y="9158818"/>
+            <a:ext cx="10101216" cy="4398704"/>
+          </a:xfrm>
+          <a:prstGeom prst="rect">
+            <a:avLst/>
+          </a:prstGeom>
+        </p:spPr>
+      </p:pic>
+      <p:sp>
+        <p:nvSpPr>
+          <p:cNvPr id="48" name="TextBox 47">
+            <a:extLst>
+              <a:ext uri="{FF2B5EF4-FFF2-40B4-BE49-F238E27FC236}">
+                <a16:creationId xmlns:a16="http://schemas.microsoft.com/office/drawing/2014/main" id="{1D12D887-7088-82CA-A8FC-DC49BB46CC63}"/>
+              </a:ext>
+            </a:extLst>
+          </p:cNvPr>
+          <p:cNvSpPr txBox="1"/>
+          <p:nvPr/>
+        </p:nvSpPr>
+        <p:spPr>
+          <a:xfrm>
+            <a:off x="37150141" y="26197622"/>
+            <a:ext cx="9982200" cy="646331"/>
+          </a:xfrm>
+          <a:prstGeom prst="rect">
+            <a:avLst/>
+          </a:prstGeom>
+          <a:noFill/>
+        </p:spPr>
+        <p:txBody>
+          <a:bodyPr wrap="square" rtlCol="0">
+            <a:spAutoFit/>
+          </a:bodyPr>
+          <a:lstStyle/>
+          <a:p>
+            <a:r>
+              <a:rPr lang="en-US" sz="3600" b="1" dirty="0"/>
+              <a:t>Conclusions</a:t>
+            </a:r>
+            <a:endParaRPr lang="en-AU" sz="3600" b="1" dirty="0"/>
+          </a:p>
+        </p:txBody>
+      </p:sp>
+      <p:pic>
+        <p:nvPicPr>
+          <p:cNvPr id="50" name="Picture 49">
+            <a:extLst>
+              <a:ext uri="{FF2B5EF4-FFF2-40B4-BE49-F238E27FC236}">
+                <a16:creationId xmlns:a16="http://schemas.microsoft.com/office/drawing/2014/main" id="{54866DEA-C590-2A0B-658E-5C82A531A468}"/>
+              </a:ext>
+            </a:extLst>
+          </p:cNvPr>
+          <p:cNvPicPr>
+            <a:picLocks noChangeAspect="1"/>
+          </p:cNvPicPr>
+          <p:nvPr/>
+        </p:nvPicPr>
+        <p:blipFill>
+          <a:blip r:embed="rId5"/>
+          <a:stretch>
+            <a:fillRect/>
+          </a:stretch>
+        </p:blipFill>
+        <p:spPr>
+          <a:xfrm>
+            <a:off x="36928818" y="19613081"/>
+            <a:ext cx="7004416" cy="6367649"/>
+          </a:xfrm>
+          <a:prstGeom prst="rect">
+            <a:avLst/>
+          </a:prstGeom>
+        </p:spPr>
+      </p:pic>
+      <p:pic>
+        <p:nvPicPr>
+          <p:cNvPr id="56" name="Picture 55">
+            <a:extLst>
+              <a:ext uri="{FF2B5EF4-FFF2-40B4-BE49-F238E27FC236}">
+                <a16:creationId xmlns:a16="http://schemas.microsoft.com/office/drawing/2014/main" id="{782ABB11-37EA-97C6-BFED-4919C781A767}"/>
+              </a:ext>
+            </a:extLst>
+          </p:cNvPr>
+          <p:cNvPicPr>
+            <a:picLocks noChangeAspect="1"/>
+          </p:cNvPicPr>
+          <p:nvPr/>
+        </p:nvPicPr>
+        <p:blipFill>
+          <a:blip r:embed="rId6"/>
+          <a:stretch>
+            <a:fillRect/>
+          </a:stretch>
+        </p:blipFill>
+        <p:spPr>
+          <a:xfrm>
+            <a:off x="43588047" y="19589371"/>
+            <a:ext cx="6638253" cy="6367649"/>
+          </a:xfrm>
+          <a:prstGeom prst="rect">
+            <a:avLst/>
+          </a:prstGeom>
+        </p:spPr>
+      </p:pic>
+      <p:pic>
+        <p:nvPicPr>
+          <p:cNvPr id="58" name="Picture 57">
+            <a:extLst>
+              <a:ext uri="{FF2B5EF4-FFF2-40B4-BE49-F238E27FC236}">
+                <a16:creationId xmlns:a16="http://schemas.microsoft.com/office/drawing/2014/main" id="{B518E258-638D-600F-8E31-6D1F34576636}"/>
+              </a:ext>
+            </a:extLst>
+          </p:cNvPr>
+          <p:cNvPicPr>
+            <a:picLocks noChangeAspect="1"/>
+          </p:cNvPicPr>
+          <p:nvPr/>
+        </p:nvPicPr>
+        <p:blipFill>
+          <a:blip r:embed="rId7"/>
+          <a:stretch>
+            <a:fillRect/>
+          </a:stretch>
+        </p:blipFill>
+        <p:spPr>
+          <a:xfrm>
+            <a:off x="36961034" y="13262839"/>
+            <a:ext cx="6605567" cy="6015323"/>
+          </a:xfrm>
+          <a:prstGeom prst="rect">
+            <a:avLst/>
+          </a:prstGeom>
+        </p:spPr>
+      </p:pic>
+      <p:pic>
+        <p:nvPicPr>
+          <p:cNvPr id="60" name="Picture 59">
+            <a:extLst>
+              <a:ext uri="{FF2B5EF4-FFF2-40B4-BE49-F238E27FC236}">
+                <a16:creationId xmlns:a16="http://schemas.microsoft.com/office/drawing/2014/main" id="{8478BA18-9C47-F9F6-F4FD-E045A36F04C4}"/>
+              </a:ext>
+            </a:extLst>
+          </p:cNvPr>
+          <p:cNvPicPr>
+            <a:picLocks noChangeAspect="1"/>
+          </p:cNvPicPr>
+          <p:nvPr/>
+        </p:nvPicPr>
+        <p:blipFill>
+          <a:blip r:embed="rId8"/>
+          <a:stretch>
+            <a:fillRect/>
+          </a:stretch>
+        </p:blipFill>
+        <p:spPr>
+          <a:xfrm>
+            <a:off x="43529680" y="13221722"/>
+            <a:ext cx="6472152" cy="6367649"/>
+          </a:xfrm>
+          <a:prstGeom prst="rect">
+            <a:avLst/>
+          </a:prstGeom>
+        </p:spPr>
+      </p:pic>
+      <p:sp>
+        <p:nvSpPr>
+          <p:cNvPr id="62" name="TextBox 61">
+            <a:extLst>
+              <a:ext uri="{FF2B5EF4-FFF2-40B4-BE49-F238E27FC236}">
+                <a16:creationId xmlns:a16="http://schemas.microsoft.com/office/drawing/2014/main" id="{BA36A4C5-C6C1-E345-F353-569D5628C0B3}"/>
+              </a:ext>
+            </a:extLst>
+          </p:cNvPr>
+          <p:cNvSpPr txBox="1"/>
+          <p:nvPr/>
+        </p:nvSpPr>
+        <p:spPr>
+          <a:xfrm>
+            <a:off x="36928818" y="26999575"/>
+            <a:ext cx="13525186" cy="5509200"/>
+          </a:xfrm>
+          <a:prstGeom prst="rect">
+            <a:avLst/>
+          </a:prstGeom>
+          <a:noFill/>
+        </p:spPr>
+        <p:txBody>
+          <a:bodyPr wrap="square">
+            <a:spAutoFit/>
+          </a:bodyPr>
+          <a:lstStyle/>
+          <a:p>
+            <a:pPr marL="571500" indent="-571500">
+              <a:buFont typeface="Wingdings" panose="05000000000000000000" pitchFamily="2" charset="2"/>
+              <a:buChar char="§"/>
+            </a:pPr>
+            <a:r>
+              <a:rPr lang="en-US" sz="3200" dirty="0"/>
+              <a:t>Response surface analysis is a useful alternative to derived indices for investigating sleep discrepancy</a:t>
+            </a:r>
+          </a:p>
+          <a:p>
+            <a:pPr marL="571500" indent="-571500">
+              <a:buFont typeface="Wingdings" panose="05000000000000000000" pitchFamily="2" charset="2"/>
+              <a:buChar char="§"/>
+            </a:pPr>
+            <a:r>
+              <a:rPr lang="en-US" sz="3200" dirty="0"/>
+              <a:t>Discrepancy in sleep time parameters can be importantly </a:t>
+            </a:r>
+            <a:r>
+              <a:rPr lang="en-AU" sz="3200" dirty="0"/>
+              <a:t>different to misperception</a:t>
+            </a:r>
+          </a:p>
+          <a:p>
+            <a:pPr marL="571500" indent="-571500">
+              <a:buFont typeface="Wingdings" panose="05000000000000000000" pitchFamily="2" charset="2"/>
+              <a:buChar char="§"/>
+            </a:pPr>
+            <a:r>
+              <a:rPr lang="en-AU" sz="3200" dirty="0"/>
+              <a:t>Emphasis on perception of sleep quantity rather than sleep misperception per se</a:t>
+            </a:r>
+          </a:p>
+          <a:p>
+            <a:pPr marL="1028700" lvl="1" indent="-571500">
+              <a:buFont typeface="Wingdings" panose="05000000000000000000" pitchFamily="2" charset="2"/>
+              <a:buChar char="§"/>
+            </a:pPr>
+            <a:r>
+              <a:rPr lang="en-AU" sz="3200" dirty="0"/>
+              <a:t>Experiments with hypnotics</a:t>
+            </a:r>
+          </a:p>
+          <a:p>
+            <a:pPr marL="1028700" lvl="1" indent="-571500">
+              <a:buFont typeface="Wingdings" panose="05000000000000000000" pitchFamily="2" charset="2"/>
+              <a:buChar char="§"/>
+            </a:pPr>
+            <a:r>
+              <a:rPr lang="en-AU" sz="3200" dirty="0"/>
+              <a:t>Low self-report + objective as different phenotype</a:t>
+            </a:r>
+          </a:p>
+          <a:p>
+            <a:pPr marL="571500" indent="-571500">
+              <a:buFont typeface="Wingdings" panose="05000000000000000000" pitchFamily="2" charset="2"/>
+              <a:buChar char="§"/>
+            </a:pPr>
+            <a:r>
+              <a:rPr lang="en-AU" sz="3200" dirty="0"/>
+              <a:t>Results to be replicated in pre-registered study</a:t>
+            </a:r>
+          </a:p>
+          <a:p>
+            <a:pPr marL="571500" indent="-571500">
+              <a:buFont typeface="Wingdings" panose="05000000000000000000" pitchFamily="2" charset="2"/>
+              <a:buChar char="§"/>
+            </a:pPr>
+            <a:endParaRPr lang="en-AU" sz="3200" dirty="0"/>
+          </a:p>
+          <a:p>
+            <a:pPr marL="571500" indent="-571500">
+              <a:buFont typeface="Wingdings" panose="05000000000000000000" pitchFamily="2" charset="2"/>
+              <a:buChar char="§"/>
+            </a:pPr>
+            <a:endParaRPr lang="en-AU" sz="3200" dirty="0"/>
+          </a:p>
+        </p:txBody>
+      </p:sp>
+      <p:sp>
+        <p:nvSpPr>
+          <p:cNvPr id="2" name="Rectangle 1">
+            <a:extLst>
+              <a:ext uri="{FF2B5EF4-FFF2-40B4-BE49-F238E27FC236}">
+                <a16:creationId xmlns:a16="http://schemas.microsoft.com/office/drawing/2014/main" id="{38FB45B3-9B4B-1981-093A-7D7EF3D38713}"/>
+              </a:ext>
+            </a:extLst>
+          </p:cNvPr>
+          <p:cNvSpPr/>
+          <p:nvPr/>
+        </p:nvSpPr>
+        <p:spPr>
+          <a:xfrm>
+            <a:off x="42177093" y="13481487"/>
+            <a:ext cx="1352587" cy="12421700"/>
+          </a:xfrm>
+          <a:prstGeom prst="rect">
+            <a:avLst/>
+          </a:prstGeom>
+          <a:solidFill>
+            <a:schemeClr val="bg1"/>
+          </a:solidFill>
+          <a:ln>
+            <a:solidFill>
+              <a:schemeClr val="bg1"/>
+            </a:solidFill>
+          </a:ln>
+        </p:spPr>
+        <p:style>
+          <a:lnRef idx="2">
+            <a:schemeClr val="accent1">
+              <a:shade val="15000"/>
+            </a:schemeClr>
+          </a:lnRef>
+          <a:fillRef idx="1">
+            <a:schemeClr val="accent1"/>
+          </a:fillRef>
+          <a:effectRef idx="0">
+            <a:schemeClr val="accent1"/>
+          </a:effectRef>
+          <a:fontRef idx="minor">
+            <a:schemeClr val="lt1"/>
+          </a:fontRef>
+        </p:style>
+        <p:txBody>
+          <a:bodyPr rtlCol="0" anchor="ctr"/>
+          <a:lstStyle/>
+          <a:p>
+            <a:pPr algn="ctr"/>
+            <a:endParaRPr lang="en-AU"/>
+          </a:p>
+        </p:txBody>
+      </p:sp>
+      <p:sp>
+        <p:nvSpPr>
+          <p:cNvPr id="4" name="Rectangle 3">
+            <a:extLst>
+              <a:ext uri="{FF2B5EF4-FFF2-40B4-BE49-F238E27FC236}">
+                <a16:creationId xmlns:a16="http://schemas.microsoft.com/office/drawing/2014/main" id="{82174F99-124A-9D92-2A3B-4BCAF73B893D}"/>
+              </a:ext>
+            </a:extLst>
+          </p:cNvPr>
+          <p:cNvSpPr/>
+          <p:nvPr/>
+        </p:nvSpPr>
+        <p:spPr>
+          <a:xfrm>
+            <a:off x="0" y="0"/>
+            <a:ext cx="22837137" cy="32399288"/>
+          </a:xfrm>
+          <a:prstGeom prst="rect">
+            <a:avLst/>
+          </a:prstGeom>
+          <a:solidFill>
+            <a:srgbClr val="002060"/>
+          </a:solidFill>
+          <a:ln>
+            <a:noFill/>
+          </a:ln>
+        </p:spPr>
+        <p:style>
+          <a:lnRef idx="2">
+            <a:schemeClr val="accent1">
+              <a:shade val="15000"/>
+            </a:schemeClr>
+          </a:lnRef>
+          <a:fillRef idx="1">
+            <a:schemeClr val="accent1"/>
+          </a:fillRef>
+          <a:effectRef idx="0">
+            <a:schemeClr val="accent1"/>
+          </a:effectRef>
+          <a:fontRef idx="minor">
+            <a:schemeClr val="lt1"/>
+          </a:fontRef>
+        </p:style>
+        <p:txBody>
+          <a:bodyPr rtlCol="0" anchor="ctr"/>
+          <a:lstStyle/>
+          <a:p>
+            <a:pPr algn="ctr"/>
+            <a:endParaRPr lang="en-AU" sz="34925"/>
+          </a:p>
+        </p:txBody>
+      </p:sp>
+      <p:sp>
+        <p:nvSpPr>
+          <p:cNvPr id="5" name="TextBox 4">
+            <a:extLst>
+              <a:ext uri="{FF2B5EF4-FFF2-40B4-BE49-F238E27FC236}">
+                <a16:creationId xmlns:a16="http://schemas.microsoft.com/office/drawing/2014/main" id="{B0CD3F67-D999-16F5-E7CB-5E910B5F5883}"/>
+              </a:ext>
+            </a:extLst>
+          </p:cNvPr>
+          <p:cNvSpPr txBox="1"/>
+          <p:nvPr/>
+        </p:nvSpPr>
+        <p:spPr>
+          <a:xfrm>
+            <a:off x="778932" y="1765326"/>
+            <a:ext cx="21037326" cy="12834283"/>
+          </a:xfrm>
+          <a:prstGeom prst="rect">
+            <a:avLst/>
+          </a:prstGeom>
+          <a:noFill/>
+        </p:spPr>
+        <p:txBody>
+          <a:bodyPr wrap="square" rtlCol="0">
+            <a:spAutoFit/>
+          </a:bodyPr>
+          <a:lstStyle/>
+          <a:p>
+            <a:r>
+              <a:rPr lang="en-US" sz="13800" dirty="0">
+                <a:solidFill>
+                  <a:schemeClr val="bg1"/>
+                </a:solidFill>
+              </a:rPr>
+              <a:t>Response surface analysis</a:t>
+            </a:r>
+            <a:r>
+              <a:rPr lang="en-US" sz="13800" b="1" dirty="0">
+                <a:solidFill>
+                  <a:schemeClr val="bg1"/>
+                </a:solidFill>
+              </a:rPr>
+              <a:t> </a:t>
+            </a:r>
+            <a:r>
+              <a:rPr lang="en-US" sz="13800" dirty="0">
+                <a:solidFill>
+                  <a:schemeClr val="bg1"/>
+                </a:solidFill>
+              </a:rPr>
+              <a:t>revealed </a:t>
+            </a:r>
+            <a:r>
+              <a:rPr lang="en-US" sz="13800" b="1" dirty="0">
+                <a:solidFill>
+                  <a:schemeClr val="bg1"/>
+                </a:solidFill>
+              </a:rPr>
+              <a:t>sleep discrepancy </a:t>
+            </a:r>
+            <a:r>
+              <a:rPr lang="en-US" sz="13800" dirty="0">
+                <a:solidFill>
+                  <a:schemeClr val="bg1"/>
+                </a:solidFill>
+              </a:rPr>
+              <a:t>was not associated with </a:t>
+            </a:r>
+            <a:r>
+              <a:rPr lang="en-US" sz="13800" b="1" dirty="0">
+                <a:solidFill>
+                  <a:schemeClr val="bg1"/>
+                </a:solidFill>
+              </a:rPr>
+              <a:t>insomnia symptom severity </a:t>
+            </a:r>
+            <a:r>
+              <a:rPr lang="en-US" sz="13800" dirty="0">
+                <a:solidFill>
+                  <a:schemeClr val="bg1"/>
+                </a:solidFill>
+              </a:rPr>
+              <a:t>in older men.</a:t>
+            </a:r>
+          </a:p>
+        </p:txBody>
+      </p:sp>
+      <p:sp>
+        <p:nvSpPr>
+          <p:cNvPr id="7" name="Rectangle: Rounded Corners 6">
+            <a:extLst>
+              <a:ext uri="{FF2B5EF4-FFF2-40B4-BE49-F238E27FC236}">
+                <a16:creationId xmlns:a16="http://schemas.microsoft.com/office/drawing/2014/main" id="{C5662284-D9F7-7679-381D-D9187CA38CCE}"/>
+              </a:ext>
+            </a:extLst>
+          </p:cNvPr>
+          <p:cNvSpPr/>
+          <p:nvPr/>
+        </p:nvSpPr>
+        <p:spPr>
+          <a:xfrm>
+            <a:off x="1009536" y="26487717"/>
+            <a:ext cx="4007728" cy="4968240"/>
+          </a:xfrm>
+          <a:prstGeom prst="roundRect">
+            <a:avLst/>
+          </a:prstGeom>
+          <a:solidFill>
+            <a:schemeClr val="bg1"/>
+          </a:solidFill>
+          <a:ln>
+            <a:noFill/>
+          </a:ln>
+        </p:spPr>
+        <p:style>
+          <a:lnRef idx="2">
+            <a:schemeClr val="accent1">
+              <a:shade val="15000"/>
+            </a:schemeClr>
+          </a:lnRef>
+          <a:fillRef idx="1">
+            <a:schemeClr val="accent1"/>
+          </a:fillRef>
+          <a:effectRef idx="0">
+            <a:schemeClr val="accent1"/>
+          </a:effectRef>
+          <a:fontRef idx="minor">
+            <a:schemeClr val="lt1"/>
+          </a:fontRef>
+        </p:style>
+        <p:txBody>
+          <a:bodyPr rtlCol="0" anchor="ctr"/>
+          <a:lstStyle/>
+          <a:p>
+            <a:pPr algn="ctr"/>
+            <a:endParaRPr lang="en-AU" dirty="0"/>
+          </a:p>
+        </p:txBody>
+      </p:sp>
+      <p:sp>
+        <p:nvSpPr>
+          <p:cNvPr id="10" name="TextBox 9">
+            <a:extLst>
+              <a:ext uri="{FF2B5EF4-FFF2-40B4-BE49-F238E27FC236}">
+                <a16:creationId xmlns:a16="http://schemas.microsoft.com/office/drawing/2014/main" id="{F50C247A-C267-FF32-056A-196FAD1E45AD}"/>
+              </a:ext>
+            </a:extLst>
+          </p:cNvPr>
+          <p:cNvSpPr txBox="1"/>
+          <p:nvPr/>
+        </p:nvSpPr>
+        <p:spPr>
+          <a:xfrm>
+            <a:off x="1865835" y="30297717"/>
+            <a:ext cx="2493540" cy="707886"/>
+          </a:xfrm>
+          <a:prstGeom prst="rect">
+            <a:avLst/>
+          </a:prstGeom>
+          <a:noFill/>
+        </p:spPr>
+        <p:txBody>
+          <a:bodyPr wrap="square" rtlCol="0">
+            <a:spAutoFit/>
+          </a:bodyPr>
+          <a:lstStyle/>
+          <a:p>
+            <a:r>
+              <a:rPr lang="en-US" sz="4000" b="1" dirty="0"/>
+              <a:t>SCAN ME</a:t>
+            </a:r>
+            <a:endParaRPr lang="en-AU" sz="4000" b="1" dirty="0"/>
+          </a:p>
+        </p:txBody>
+      </p:sp>
+      <p:grpSp>
+        <p:nvGrpSpPr>
+          <p:cNvPr id="16" name="Group 15">
+            <a:extLst>
+              <a:ext uri="{FF2B5EF4-FFF2-40B4-BE49-F238E27FC236}">
+                <a16:creationId xmlns:a16="http://schemas.microsoft.com/office/drawing/2014/main" id="{05100C44-16BF-30E4-6BAB-006DBA025919}"/>
+              </a:ext>
+            </a:extLst>
+          </p:cNvPr>
+          <p:cNvGrpSpPr/>
+          <p:nvPr/>
+        </p:nvGrpSpPr>
+        <p:grpSpPr>
+          <a:xfrm>
+            <a:off x="23259416" y="1026699"/>
+            <a:ext cx="13647947" cy="30487602"/>
+            <a:chOff x="145246" y="632948"/>
+            <a:chExt cx="13647947" cy="30487602"/>
+          </a:xfrm>
+        </p:grpSpPr>
+        <p:grpSp>
+          <p:nvGrpSpPr>
+            <p:cNvPr id="15" name="Group 14">
+              <a:extLst>
+                <a:ext uri="{FF2B5EF4-FFF2-40B4-BE49-F238E27FC236}">
+                  <a16:creationId xmlns:a16="http://schemas.microsoft.com/office/drawing/2014/main" id="{2A714890-A2F0-5734-CEB3-7B66AD9A8809}"/>
+                </a:ext>
+              </a:extLst>
+            </p:cNvPr>
+            <p:cNvGrpSpPr/>
+            <p:nvPr/>
+          </p:nvGrpSpPr>
+          <p:grpSpPr>
+            <a:xfrm>
+              <a:off x="315348" y="7636966"/>
+              <a:ext cx="13095027" cy="4739759"/>
+              <a:chOff x="315348" y="7636966"/>
+              <a:chExt cx="13095027" cy="4739759"/>
+            </a:xfrm>
+          </p:grpSpPr>
+          <p:sp>
+            <p:nvSpPr>
+              <p:cNvPr id="20" name="Rectangle 3">
+                <a:extLst>
+                  <a:ext uri="{FF2B5EF4-FFF2-40B4-BE49-F238E27FC236}">
+                    <a16:creationId xmlns:a16="http://schemas.microsoft.com/office/drawing/2014/main" id="{87BA0EAE-EF70-65C4-3F99-B5EFF73B5F0A}"/>
+                  </a:ext>
+                </a:extLst>
+              </p:cNvPr>
+              <p:cNvSpPr>
+                <a:spLocks noChangeArrowheads="1"/>
+              </p:cNvSpPr>
+              <p:nvPr/>
+            </p:nvSpPr>
+            <p:spPr bwMode="auto">
+              <a:xfrm>
+                <a:off x="315348" y="7636966"/>
+                <a:ext cx="13095027" cy="4739759"/>
+              </a:xfrm>
+              <a:prstGeom prst="rect">
+                <a:avLst/>
+              </a:prstGeom>
+              <a:noFill/>
+              <a:ln>
+                <a:noFill/>
+              </a:ln>
+              <a:effectLst/>
+              <a:extLst>
+                <a:ext uri="{909E8E84-426E-40DD-AFC4-6F175D3DCCD1}">
+                  <a14:hiddenFill xmlns:a14="http://schemas.microsoft.com/office/drawing/2010/main">
+                    <a:solidFill>
+                      <a:schemeClr val="accent1"/>
+                    </a:solidFill>
+                  </a14:hiddenFill>
+                </a:ext>
+                <a:ext uri="{91240B29-F687-4F45-9708-019B960494DF}">
+                  <a14:hiddenLine xmlns:a14="http://schemas.microsoft.com/office/drawing/2010/main" w="9525">
+                    <a:solidFill>
+                      <a:schemeClr val="tx1"/>
+                    </a:solidFill>
+                    <a:miter lim="800000"/>
+                    <a:headEnd/>
+                    <a:tailEnd/>
+                  </a14:hiddenLine>
+                </a:ext>
+                <a:ext uri="{AF507438-7753-43E0-B8FC-AC1667EBCBE1}">
+                  <a14:hiddenEffects xmlns:a14="http://schemas.microsoft.com/office/drawing/2010/main">
+                    <a:effectLst>
+                      <a:outerShdw dist="35921" dir="2700000" algn="ctr" rotWithShape="0">
+                        <a:schemeClr val="bg2"/>
+                      </a:outerShdw>
+                    </a:effectLst>
+                  </a14:hiddenEffects>
+                </a:ext>
+              </a:extLst>
+            </p:spPr>
+            <p:txBody>
+              <a:bodyPr vert="horz" wrap="square" lIns="91440" tIns="45720" rIns="91440" bIns="45720" numCol="1" anchor="ctr" anchorCtr="0" compatLnSpc="1">
+                <a:prstTxWarp prst="textNoShape">
+                  <a:avLst/>
+                </a:prstTxWarp>
+                <a:spAutoFit/>
+              </a:bodyPr>
+              <a:lstStyle/>
+              <a:p>
+                <a:pPr lvl="0" defTabSz="914400" eaLnBrk="0" fontAlgn="base" hangingPunct="0">
+                  <a:lnSpc>
+                    <a:spcPct val="150000"/>
+                  </a:lnSpc>
+                  <a:spcBef>
+                    <a:spcPct val="0"/>
+                  </a:spcBef>
+                  <a:spcAft>
+                    <a:spcPct val="0"/>
+                  </a:spcAft>
+                </a:pPr>
+                <a:r>
+                  <a:rPr kumimoji="0" lang="en-US" altLang="en-US" sz="3600" b="1" i="0" u="none" strike="noStrike" cap="none" normalizeH="0" baseline="0" dirty="0">
+                    <a:ln>
+                      <a:noFill/>
+                    </a:ln>
+                    <a:solidFill>
+                      <a:schemeClr val="tx1"/>
+                    </a:solidFill>
+                    <a:effectLst/>
+                  </a:rPr>
+                  <a:t>Tom F. Walton</a:t>
+                </a:r>
+                <a:r>
+                  <a:rPr kumimoji="0" lang="en-US" altLang="en-US" sz="3600" b="1" i="0" u="none" strike="noStrike" cap="none" normalizeH="0" baseline="30000" dirty="0">
+                    <a:ln>
+                      <a:noFill/>
+                    </a:ln>
+                    <a:solidFill>
+                      <a:schemeClr val="tx1"/>
+                    </a:solidFill>
+                    <a:effectLst/>
+                  </a:rPr>
+                  <a:t> 1</a:t>
+                </a:r>
+              </a:p>
+              <a:p>
+                <a:pPr lvl="0" defTabSz="914400" eaLnBrk="0" fontAlgn="base" hangingPunct="0">
+                  <a:lnSpc>
+                    <a:spcPct val="150000"/>
+                  </a:lnSpc>
+                  <a:spcBef>
+                    <a:spcPct val="0"/>
+                  </a:spcBef>
+                  <a:spcAft>
+                    <a:spcPct val="0"/>
+                  </a:spcAft>
+                </a:pPr>
+                <a:r>
+                  <a:rPr kumimoji="0" lang="en-US" altLang="en-US" sz="3600" i="0" u="none" strike="noStrike" cap="none" normalizeH="0" baseline="0" dirty="0">
+                    <a:ln>
+                      <a:noFill/>
+                    </a:ln>
+                    <a:solidFill>
+                      <a:schemeClr val="tx1"/>
+                    </a:solidFill>
+                    <a:effectLst/>
+                  </a:rPr>
+                  <a:t>	tom.fioccowalton@research.uwa.edu.au </a:t>
+                </a:r>
+                <a:br>
+                  <a:rPr kumimoji="0" lang="en-US" altLang="en-US" sz="3600" i="0" u="none" strike="noStrike" cap="none" normalizeH="0" baseline="0" dirty="0">
+                    <a:ln>
+                      <a:noFill/>
+                    </a:ln>
+                    <a:solidFill>
+                      <a:schemeClr val="tx1"/>
+                    </a:solidFill>
+                    <a:effectLst/>
+                  </a:rPr>
+                </a:br>
+                <a:r>
+                  <a:rPr kumimoji="0" lang="en-US" altLang="en-US" sz="3600" i="0" u="none" strike="noStrike" cap="none" normalizeH="0" baseline="0" dirty="0">
+                    <a:ln>
+                      <a:noFill/>
+                    </a:ln>
+                    <a:solidFill>
+                      <a:schemeClr val="tx1"/>
+                    </a:solidFill>
+                    <a:effectLst/>
+                  </a:rPr>
+                  <a:t>	</a:t>
+                </a:r>
+                <a:r>
+                  <a:rPr lang="en-US" altLang="en-US" sz="3600" dirty="0"/>
+                  <a:t>https://github.com/tfwalton</a:t>
+                </a:r>
+                <a:endParaRPr kumimoji="0" lang="en-US" altLang="en-US" sz="3600" i="0" u="none" strike="noStrike" cap="none" normalizeH="0" baseline="0" dirty="0">
+                  <a:ln>
+                    <a:noFill/>
+                  </a:ln>
+                  <a:solidFill>
+                    <a:schemeClr val="tx1"/>
+                  </a:solidFill>
+                  <a:effectLst/>
+                </a:endParaRPr>
+              </a:p>
+              <a:p>
+                <a:pPr marL="0" marR="0" lvl="0" indent="0" algn="l" defTabSz="914400" rtl="0" eaLnBrk="0" fontAlgn="base" latinLnBrk="0" hangingPunct="0">
+                  <a:lnSpc>
+                    <a:spcPct val="100000"/>
+                  </a:lnSpc>
+                  <a:spcBef>
+                    <a:spcPct val="0"/>
+                  </a:spcBef>
+                  <a:spcAft>
+                    <a:spcPct val="0"/>
+                  </a:spcAft>
+                  <a:buClrTx/>
+                  <a:buSzTx/>
+                  <a:buFontTx/>
+                  <a:buNone/>
+                  <a:tabLst/>
+                </a:pPr>
+                <a:endParaRPr kumimoji="0" lang="en-US" altLang="en-US" sz="2800" b="1" i="0" u="none" strike="noStrike" cap="none" normalizeH="0" baseline="0" dirty="0">
+                  <a:ln>
+                    <a:noFill/>
+                  </a:ln>
+                  <a:solidFill>
+                    <a:schemeClr val="tx1"/>
+                  </a:solidFill>
+                  <a:effectLst/>
+                </a:endParaRPr>
+              </a:p>
+              <a:p>
+                <a:pPr defTabSz="914400" eaLnBrk="0" fontAlgn="base" hangingPunct="0">
+                  <a:spcBef>
+                    <a:spcPct val="0"/>
+                  </a:spcBef>
+                  <a:spcAft>
+                    <a:spcPct val="0"/>
+                  </a:spcAft>
+                </a:pPr>
+                <a:r>
+                  <a:rPr kumimoji="0" lang="en-US" altLang="en-US" sz="2800" b="1" i="0" u="none" strike="noStrike" cap="none" normalizeH="0" baseline="0" dirty="0">
+                    <a:ln>
+                      <a:noFill/>
+                    </a:ln>
+                    <a:solidFill>
+                      <a:schemeClr val="tx1"/>
+                    </a:solidFill>
+                    <a:effectLst/>
+                  </a:rPr>
+                  <a:t>Romola S. Bucks</a:t>
+                </a:r>
+                <a:r>
+                  <a:rPr kumimoji="0" lang="en-US" altLang="en-US" sz="2800" b="1" i="0" u="none" strike="noStrike" cap="none" normalizeH="0" baseline="30000" dirty="0">
+                    <a:ln>
+                      <a:noFill/>
+                    </a:ln>
+                    <a:solidFill>
+                      <a:schemeClr val="tx1"/>
+                    </a:solidFill>
+                    <a:effectLst/>
+                  </a:rPr>
+                  <a:t>1,2,3</a:t>
+                </a:r>
+                <a:r>
+                  <a:rPr kumimoji="0" lang="en-US" altLang="en-US" sz="2800" b="1" i="0" u="none" strike="noStrike" cap="none" normalizeH="0" baseline="0" dirty="0">
+                    <a:ln>
+                      <a:noFill/>
+                    </a:ln>
+                    <a:solidFill>
+                      <a:schemeClr val="tx1"/>
+                    </a:solidFill>
+                    <a:effectLst/>
+                  </a:rPr>
+                  <a:t> Melissa J. Ree</a:t>
+                </a:r>
+                <a:r>
+                  <a:rPr kumimoji="0" lang="en-US" altLang="en-US" sz="2800" b="1" i="0" u="none" strike="noStrike" cap="none" normalizeH="0" baseline="30000" dirty="0">
+                    <a:ln>
+                      <a:noFill/>
+                    </a:ln>
+                    <a:solidFill>
+                      <a:schemeClr val="tx1"/>
+                    </a:solidFill>
+                    <a:effectLst/>
+                  </a:rPr>
+                  <a:t>1</a:t>
+                </a:r>
+              </a:p>
+              <a:p>
+                <a:pPr defTabSz="914400" eaLnBrk="0" fontAlgn="base" hangingPunct="0">
+                  <a:spcBef>
+                    <a:spcPct val="0"/>
+                  </a:spcBef>
+                  <a:spcAft>
+                    <a:spcPct val="0"/>
+                  </a:spcAft>
+                </a:pPr>
+                <a:r>
+                  <a:rPr kumimoji="0" lang="en-US" altLang="en-US" sz="2800" b="0" i="0" u="none" strike="noStrike" cap="none" normalizeH="0" baseline="30000" dirty="0">
+                    <a:ln>
+                      <a:noFill/>
+                    </a:ln>
+                    <a:solidFill>
+                      <a:schemeClr val="tx1"/>
+                    </a:solidFill>
+                    <a:effectLst/>
+                  </a:rPr>
+                  <a:t>1</a:t>
+                </a:r>
+                <a:r>
+                  <a:rPr kumimoji="0" lang="en-US" altLang="en-US" sz="2800" b="0" i="0" u="none" strike="noStrike" cap="none" normalizeH="0" baseline="0" dirty="0">
+                    <a:ln>
+                      <a:noFill/>
+                    </a:ln>
+                    <a:solidFill>
+                      <a:schemeClr val="tx1"/>
+                    </a:solidFill>
+                    <a:effectLst/>
+                  </a:rPr>
+                  <a:t> School of Psychological Science, The University of Western Australia</a:t>
+                </a:r>
+                <a:br>
+                  <a:rPr kumimoji="0" lang="en-US" altLang="en-US" sz="2800" b="0" i="0" u="none" strike="noStrike" cap="none" normalizeH="0" baseline="0" dirty="0">
+                    <a:ln>
+                      <a:noFill/>
+                    </a:ln>
+                    <a:solidFill>
+                      <a:schemeClr val="tx1"/>
+                    </a:solidFill>
+                    <a:effectLst/>
+                  </a:rPr>
+                </a:br>
+                <a:r>
+                  <a:rPr kumimoji="0" lang="en-US" altLang="en-US" sz="2800" b="0" i="0" u="none" strike="noStrike" cap="none" normalizeH="0" baseline="30000" dirty="0">
+                    <a:ln>
+                      <a:noFill/>
+                    </a:ln>
+                    <a:solidFill>
+                      <a:schemeClr val="tx1"/>
+                    </a:solidFill>
+                    <a:effectLst/>
+                  </a:rPr>
+                  <a:t>2</a:t>
+                </a:r>
+                <a:r>
+                  <a:rPr kumimoji="0" lang="en-US" altLang="en-US" sz="2800" b="0" i="0" u="none" strike="noStrike" cap="none" normalizeH="0" baseline="0" dirty="0">
+                    <a:ln>
+                      <a:noFill/>
+                    </a:ln>
+                    <a:solidFill>
+                      <a:schemeClr val="tx1"/>
+                    </a:solidFill>
+                    <a:effectLst/>
+                  </a:rPr>
+                  <a:t> School of Population and Global Health, The University of Western Australia</a:t>
+                </a:r>
+                <a:br>
+                  <a:rPr kumimoji="0" lang="en-US" altLang="en-US" sz="2800" b="0" i="0" u="none" strike="noStrike" cap="none" normalizeH="0" baseline="0" dirty="0">
+                    <a:ln>
+                      <a:noFill/>
+                    </a:ln>
+                    <a:solidFill>
+                      <a:schemeClr val="tx1"/>
+                    </a:solidFill>
+                    <a:effectLst/>
+                  </a:rPr>
+                </a:br>
+                <a:r>
+                  <a:rPr kumimoji="0" lang="en-US" altLang="en-US" sz="2800" b="0" i="0" u="none" strike="noStrike" cap="none" normalizeH="0" baseline="30000" dirty="0">
+                    <a:ln>
+                      <a:noFill/>
+                    </a:ln>
+                    <a:solidFill>
+                      <a:schemeClr val="tx1"/>
+                    </a:solidFill>
+                    <a:effectLst/>
+                  </a:rPr>
+                  <a:t>3</a:t>
+                </a:r>
+                <a:r>
+                  <a:rPr kumimoji="0" lang="en-US" altLang="en-US" sz="2800" b="0" i="0" u="none" strike="noStrike" cap="none" normalizeH="0" baseline="0" dirty="0">
+                    <a:ln>
+                      <a:noFill/>
+                    </a:ln>
+                    <a:solidFill>
+                      <a:schemeClr val="tx1"/>
+                    </a:solidFill>
+                    <a:effectLst/>
+                  </a:rPr>
+                  <a:t> Office of the Deputy Vice Chancellor, Research, The University of Western Australia </a:t>
+                </a:r>
+              </a:p>
+            </p:txBody>
+          </p:sp>
+          <p:pic>
+            <p:nvPicPr>
+              <p:cNvPr id="11" name="Picture 10" descr="A black cat with a white circle around it&#10;&#10;Description automatically generated">
+                <a:extLst>
+                  <a:ext uri="{FF2B5EF4-FFF2-40B4-BE49-F238E27FC236}">
+                    <a16:creationId xmlns:a16="http://schemas.microsoft.com/office/drawing/2014/main" id="{8658D8B3-9183-78F9-D70B-2BB481E1C624}"/>
+                  </a:ext>
+                </a:extLst>
+              </p:cNvPr>
+              <p:cNvPicPr>
+                <a:picLocks noChangeAspect="1"/>
+              </p:cNvPicPr>
+              <p:nvPr/>
+            </p:nvPicPr>
+            <p:blipFill>
+              <a:blip r:embed="rId9">
+                <a:duotone>
+                  <a:prstClr val="black"/>
+                  <a:schemeClr val="tx1">
+                    <a:tint val="45000"/>
+                    <a:satMod val="400000"/>
+                  </a:schemeClr>
+                </a:duotone>
+                <a:extLst>
+                  <a:ext uri="{BEBA8EAE-BF5A-486C-A8C5-ECC9F3942E4B}">
+                    <a14:imgProps xmlns:a14="http://schemas.microsoft.com/office/drawing/2010/main">
+                      <a14:imgLayer r:embed="rId10">
+                        <a14:imgEffect>
+                          <a14:artisticGlowEdges/>
+                        </a14:imgEffect>
+                      </a14:imgLayer>
+                    </a14:imgProps>
+                  </a:ext>
+                  <a:ext uri="{28A0092B-C50C-407E-A947-70E740481C1C}">
+                    <a14:useLocalDpi xmlns:a14="http://schemas.microsoft.com/office/drawing/2010/main" val="0"/>
+                  </a:ext>
+                </a:extLst>
+              </a:blip>
+              <a:stretch>
+                <a:fillRect/>
+              </a:stretch>
+            </p:blipFill>
+            <p:spPr>
+              <a:xfrm flipH="1">
+                <a:off x="713053" y="9598954"/>
+                <a:ext cx="415030" cy="407892"/>
+              </a:xfrm>
+              <a:prstGeom prst="rect">
+                <a:avLst/>
+              </a:prstGeom>
+            </p:spPr>
+          </p:pic>
+          <p:pic>
+            <p:nvPicPr>
+              <p:cNvPr id="12" name="Graphic 11" descr="Envelope with solid fill">
+                <a:extLst>
+                  <a:ext uri="{FF2B5EF4-FFF2-40B4-BE49-F238E27FC236}">
+                    <a16:creationId xmlns:a16="http://schemas.microsoft.com/office/drawing/2014/main" id="{3282DAAF-D51F-8908-4615-6595DAC4913E}"/>
+                  </a:ext>
+                </a:extLst>
+              </p:cNvPr>
+              <p:cNvPicPr>
+                <a:picLocks noChangeAspect="1"/>
+              </p:cNvPicPr>
+              <p:nvPr/>
+            </p:nvPicPr>
+            <p:blipFill>
+              <a:blip r:embed="rId11">
+                <a:extLst>
+                  <a:ext uri="{96DAC541-7B7A-43D3-8B79-37D633B846F1}">
+                    <asvg:svgBlip xmlns:asvg="http://schemas.microsoft.com/office/drawing/2016/SVG/main" r:embed="rId12"/>
+                  </a:ext>
+                </a:extLst>
+              </a:blip>
+              <a:stretch>
+                <a:fillRect/>
+              </a:stretch>
+            </p:blipFill>
+            <p:spPr>
+              <a:xfrm>
+                <a:off x="649553" y="8676974"/>
+                <a:ext cx="562935" cy="562935"/>
+              </a:xfrm>
+              <a:prstGeom prst="rect">
+                <a:avLst/>
+              </a:prstGeom>
+            </p:spPr>
+          </p:pic>
+        </p:grpSp>
+        <p:sp>
+          <p:nvSpPr>
+            <p:cNvPr id="19" name="TextBox 18">
+              <a:extLst>
+                <a:ext uri="{FF2B5EF4-FFF2-40B4-BE49-F238E27FC236}">
+                  <a16:creationId xmlns:a16="http://schemas.microsoft.com/office/drawing/2014/main" id="{15A72190-0E14-F65C-59C2-0EFFA17DCC82}"/>
+                </a:ext>
+              </a:extLst>
+            </p:cNvPr>
+            <p:cNvSpPr txBox="1"/>
+            <p:nvPr/>
+          </p:nvSpPr>
+          <p:spPr>
+            <a:xfrm>
+              <a:off x="315348" y="632948"/>
+              <a:ext cx="13302025" cy="6863417"/>
+            </a:xfrm>
+            <a:prstGeom prst="rect">
+              <a:avLst/>
+            </a:prstGeom>
+            <a:noFill/>
+          </p:spPr>
+          <p:txBody>
+            <a:bodyPr wrap="square" rtlCol="0">
+              <a:spAutoFit/>
+            </a:bodyPr>
+            <a:lstStyle/>
+            <a:p>
+              <a:r>
+                <a:rPr lang="en-US" sz="8800" b="1" dirty="0"/>
+                <a:t>Insomnia and sleep discrepancy: an investigation with cubic response surface analysis </a:t>
+              </a:r>
+              <a:r>
+                <a:rPr lang="en-US" sz="8800" b="1" dirty="0">
+                  <a:solidFill>
+                    <a:schemeClr val="bg2">
+                      <a:lumMod val="90000"/>
+                    </a:schemeClr>
+                  </a:solidFill>
+                </a:rPr>
+                <a:t>pilot study</a:t>
+              </a:r>
+              <a:endParaRPr lang="en-US" sz="8800" b="1" dirty="0"/>
+            </a:p>
+          </p:txBody>
+        </p:sp>
+        <p:sp>
+          <p:nvSpPr>
+            <p:cNvPr id="31" name="TextBox 30">
+              <a:extLst>
+                <a:ext uri="{FF2B5EF4-FFF2-40B4-BE49-F238E27FC236}">
+                  <a16:creationId xmlns:a16="http://schemas.microsoft.com/office/drawing/2014/main" id="{B9E485C8-E113-995A-90D0-18B310F7479C}"/>
+                </a:ext>
+              </a:extLst>
+            </p:cNvPr>
+            <p:cNvSpPr txBox="1"/>
+            <p:nvPr/>
+          </p:nvSpPr>
+          <p:spPr>
+            <a:xfrm>
+              <a:off x="224139" y="12860377"/>
+              <a:ext cx="9982200" cy="646331"/>
+            </a:xfrm>
+            <a:prstGeom prst="rect">
+              <a:avLst/>
+            </a:prstGeom>
+            <a:noFill/>
+          </p:spPr>
+          <p:txBody>
+            <a:bodyPr wrap="square" rtlCol="0">
+              <a:spAutoFit/>
+            </a:bodyPr>
+            <a:lstStyle/>
+            <a:p>
+              <a:r>
+                <a:rPr lang="en-US" sz="3600" b="1" dirty="0"/>
+                <a:t>Introduction</a:t>
+              </a:r>
+              <a:endParaRPr lang="en-AU" sz="3600" b="1" dirty="0"/>
+            </a:p>
+          </p:txBody>
+        </p:sp>
+        <p:sp>
+          <p:nvSpPr>
+            <p:cNvPr id="32" name="TextBox 31">
+              <a:extLst>
+                <a:ext uri="{FF2B5EF4-FFF2-40B4-BE49-F238E27FC236}">
+                  <a16:creationId xmlns:a16="http://schemas.microsoft.com/office/drawing/2014/main" id="{F39B29BC-A0C0-A213-929D-44076351415E}"/>
+                </a:ext>
+              </a:extLst>
+            </p:cNvPr>
+            <p:cNvSpPr txBox="1"/>
+            <p:nvPr/>
+          </p:nvSpPr>
+          <p:spPr>
+            <a:xfrm>
+              <a:off x="145246" y="13678487"/>
+              <a:ext cx="13393234" cy="4524315"/>
+            </a:xfrm>
+            <a:prstGeom prst="rect">
+              <a:avLst/>
+            </a:prstGeom>
+            <a:noFill/>
+          </p:spPr>
+          <p:txBody>
+            <a:bodyPr wrap="square">
+              <a:spAutoFit/>
+            </a:bodyPr>
+            <a:lstStyle/>
+            <a:p>
+              <a:pPr marL="571500" indent="-571500">
+                <a:buFont typeface="Wingdings" panose="05000000000000000000" pitchFamily="2" charset="2"/>
+                <a:buChar char="§"/>
+              </a:pPr>
+              <a:r>
+                <a:rPr lang="en-US" sz="3200" dirty="0"/>
+                <a:t>Sleep discrepancy is often operationalised as a derived index (e.g., self-report TST – objective TST)</a:t>
+              </a:r>
+            </a:p>
+            <a:p>
+              <a:pPr marL="571500" indent="-571500">
+                <a:buFont typeface="Wingdings" panose="05000000000000000000" pitchFamily="2" charset="2"/>
+                <a:buChar char="§"/>
+              </a:pPr>
+              <a:r>
+                <a:rPr lang="en-US" sz="3200" dirty="0"/>
+                <a:t>Cubic regression with response surface analysis solves many problems associated with the use of difference and ratio scores in </a:t>
+              </a:r>
+              <a:r>
+                <a:rPr lang="en-US" sz="3200" dirty="0" err="1"/>
+                <a:t>operationalising</a:t>
+              </a:r>
+              <a:r>
+                <a:rPr lang="en-US" sz="3200" dirty="0"/>
+                <a:t> sleep discrepancy</a:t>
+              </a:r>
+            </a:p>
+            <a:p>
+              <a:pPr marL="571500" indent="-571500">
+                <a:buFont typeface="Wingdings" panose="05000000000000000000" pitchFamily="2" charset="2"/>
+                <a:buChar char="§"/>
+              </a:pPr>
+              <a:r>
+                <a:rPr lang="en-US" sz="3200" dirty="0"/>
+                <a:t>Hypothesis:</a:t>
+              </a:r>
+            </a:p>
+            <a:p>
+              <a:pPr marL="1028700" lvl="1" indent="-571500">
+                <a:buFont typeface="+mj-lt"/>
+                <a:buAutoNum type="romanLcPeriod"/>
+              </a:pPr>
+              <a:r>
+                <a:rPr lang="en-US" sz="3200" dirty="0"/>
+                <a:t>Discrepancy effect (H1.1)</a:t>
+              </a:r>
+            </a:p>
+            <a:p>
+              <a:pPr marL="1028700" lvl="1" indent="-571500">
+                <a:buFont typeface="+mj-lt"/>
+                <a:buAutoNum type="romanLcPeriod"/>
+              </a:pPr>
+              <a:r>
+                <a:rPr lang="en-US" sz="3200" dirty="0"/>
+                <a:t>Discrepancy effect is asymmetric in the expected direction (H1.2)</a:t>
+              </a:r>
+            </a:p>
+            <a:p>
+              <a:pPr marL="1028700" lvl="1" indent="-571500">
+                <a:buFont typeface="+mj-lt"/>
+                <a:buAutoNum type="romanLcPeriod"/>
+              </a:pPr>
+              <a:r>
+                <a:rPr lang="en-US" sz="3200" dirty="0"/>
+                <a:t>Linear level effect (H1.3)</a:t>
+              </a:r>
+            </a:p>
+          </p:txBody>
+        </p:sp>
+        <p:sp>
+          <p:nvSpPr>
+            <p:cNvPr id="33" name="TextBox 32">
+              <a:extLst>
+                <a:ext uri="{FF2B5EF4-FFF2-40B4-BE49-F238E27FC236}">
+                  <a16:creationId xmlns:a16="http://schemas.microsoft.com/office/drawing/2014/main" id="{58990419-4FAA-C0F8-4E16-CA0EA5A00097}"/>
+                </a:ext>
+              </a:extLst>
+            </p:cNvPr>
+            <p:cNvSpPr txBox="1"/>
+            <p:nvPr/>
+          </p:nvSpPr>
+          <p:spPr>
+            <a:xfrm>
+              <a:off x="224139" y="18449934"/>
+              <a:ext cx="9982200" cy="646331"/>
+            </a:xfrm>
+            <a:prstGeom prst="rect">
+              <a:avLst/>
+            </a:prstGeom>
+            <a:noFill/>
+          </p:spPr>
+          <p:txBody>
+            <a:bodyPr wrap="square" rtlCol="0">
+              <a:spAutoFit/>
+            </a:bodyPr>
+            <a:lstStyle/>
+            <a:p>
+              <a:r>
+                <a:rPr lang="en-US" sz="3600" b="1" dirty="0"/>
+                <a:t>Method</a:t>
+              </a:r>
+              <a:endParaRPr lang="en-AU" sz="3600" b="1" dirty="0"/>
+            </a:p>
+          </p:txBody>
+        </p:sp>
+        <p:sp>
+          <p:nvSpPr>
+            <p:cNvPr id="34" name="TextBox 33">
+              <a:extLst>
+                <a:ext uri="{FF2B5EF4-FFF2-40B4-BE49-F238E27FC236}">
+                  <a16:creationId xmlns:a16="http://schemas.microsoft.com/office/drawing/2014/main" id="{5A2EEB29-5386-64A2-7B93-20773B9AA186}"/>
+                </a:ext>
+              </a:extLst>
+            </p:cNvPr>
+            <p:cNvSpPr txBox="1"/>
+            <p:nvPr/>
+          </p:nvSpPr>
+          <p:spPr>
+            <a:xfrm>
+              <a:off x="149592" y="19441643"/>
+              <a:ext cx="13643601" cy="2554545"/>
+            </a:xfrm>
+            <a:prstGeom prst="rect">
+              <a:avLst/>
+            </a:prstGeom>
+            <a:noFill/>
+          </p:spPr>
+          <p:txBody>
+            <a:bodyPr wrap="square">
+              <a:spAutoFit/>
+            </a:bodyPr>
+            <a:lstStyle/>
+            <a:p>
+              <a:pPr marL="571500" indent="-571500">
+                <a:buFont typeface="Wingdings" panose="05000000000000000000" pitchFamily="2" charset="2"/>
+                <a:buChar char="§"/>
+              </a:pPr>
+              <a:r>
+                <a:rPr lang="en-AU" sz="3200" dirty="0"/>
+                <a:t>Data from </a:t>
+              </a:r>
+              <a:r>
+                <a:rPr lang="en-AU" sz="3200" dirty="0" err="1"/>
+                <a:t>MrOS</a:t>
+              </a:r>
+              <a:r>
+                <a:rPr lang="en-AU" sz="3200" dirty="0"/>
+                <a:t> 1,022 community-dwelling men aged 65+ years.</a:t>
+              </a:r>
+            </a:p>
+            <a:p>
+              <a:pPr marL="571500" indent="-571500">
+                <a:buFont typeface="Wingdings" panose="05000000000000000000" pitchFamily="2" charset="2"/>
+                <a:buChar char="§"/>
+              </a:pPr>
+              <a:r>
+                <a:rPr lang="en-US" sz="3200" dirty="0"/>
+                <a:t>Total sleep time (TST) from single-night polysomnography (PSG)</a:t>
+              </a:r>
+            </a:p>
+            <a:p>
+              <a:pPr marL="571500" indent="-571500">
+                <a:buFont typeface="Wingdings" panose="05000000000000000000" pitchFamily="2" charset="2"/>
+                <a:buChar char="§"/>
+              </a:pPr>
+              <a:r>
+                <a:rPr lang="en-US" sz="3200" dirty="0"/>
+                <a:t>Self reported TST from morning questionnaire</a:t>
+              </a:r>
+            </a:p>
+            <a:p>
+              <a:pPr marL="571500" indent="-571500">
+                <a:buFont typeface="Wingdings" panose="05000000000000000000" pitchFamily="2" charset="2"/>
+                <a:buChar char="§"/>
+              </a:pPr>
+              <a:r>
+                <a:rPr lang="en-US" sz="3200" dirty="0"/>
+                <a:t>Insomnia severity index (ISI) to measure insomnia symptom severity</a:t>
+              </a:r>
+            </a:p>
+            <a:p>
+              <a:pPr marL="571500" indent="-571500">
+                <a:buFont typeface="Wingdings" panose="05000000000000000000" pitchFamily="2" charset="2"/>
+                <a:buChar char="§"/>
+              </a:pPr>
+              <a:endParaRPr lang="en-US" sz="3200" dirty="0"/>
+            </a:p>
+          </p:txBody>
+        </p:sp>
+        <p:pic>
+          <p:nvPicPr>
+            <p:cNvPr id="36" name="Picture 35">
+              <a:extLst>
+                <a:ext uri="{FF2B5EF4-FFF2-40B4-BE49-F238E27FC236}">
+                  <a16:creationId xmlns:a16="http://schemas.microsoft.com/office/drawing/2014/main" id="{596DA6AA-FC80-4777-1F59-06330647F3FF}"/>
+                </a:ext>
+              </a:extLst>
+            </p:cNvPr>
+            <p:cNvPicPr>
+              <a:picLocks noChangeAspect="1"/>
+            </p:cNvPicPr>
+            <p:nvPr/>
+          </p:nvPicPr>
+          <p:blipFill>
+            <a:blip r:embed="rId13"/>
+            <a:stretch>
+              <a:fillRect/>
+            </a:stretch>
+          </p:blipFill>
+          <p:spPr>
+            <a:xfrm>
+              <a:off x="611463" y="21926235"/>
+              <a:ext cx="12593065" cy="584775"/>
+            </a:xfrm>
+            <a:prstGeom prst="rect">
+              <a:avLst/>
+            </a:prstGeom>
+          </p:spPr>
+        </p:pic>
+        <p:pic>
+          <p:nvPicPr>
+            <p:cNvPr id="38" name="Picture 37">
+              <a:extLst>
+                <a:ext uri="{FF2B5EF4-FFF2-40B4-BE49-F238E27FC236}">
+                  <a16:creationId xmlns:a16="http://schemas.microsoft.com/office/drawing/2014/main" id="{6A67FDBF-6A10-2DDC-5BE7-EB590967376B}"/>
+                </a:ext>
+              </a:extLst>
+            </p:cNvPr>
+            <p:cNvPicPr>
+              <a:picLocks noChangeAspect="1"/>
+            </p:cNvPicPr>
+            <p:nvPr/>
+          </p:nvPicPr>
+          <p:blipFill>
+            <a:blip r:embed="rId14"/>
+            <a:stretch>
+              <a:fillRect/>
+            </a:stretch>
+          </p:blipFill>
+          <p:spPr>
+            <a:xfrm>
+              <a:off x="145246" y="28578086"/>
+              <a:ext cx="13525500" cy="2542464"/>
+            </a:xfrm>
+            <a:prstGeom prst="rect">
+              <a:avLst/>
+            </a:prstGeom>
+          </p:spPr>
+        </p:pic>
+        <p:sp>
+          <p:nvSpPr>
+            <p:cNvPr id="39" name="TextBox 38">
+              <a:extLst>
+                <a:ext uri="{FF2B5EF4-FFF2-40B4-BE49-F238E27FC236}">
+                  <a16:creationId xmlns:a16="http://schemas.microsoft.com/office/drawing/2014/main" id="{8922AE54-B37D-0631-F27F-BDABC1E6CEC7}"/>
+                </a:ext>
+              </a:extLst>
+            </p:cNvPr>
+            <p:cNvSpPr txBox="1"/>
+            <p:nvPr/>
+          </p:nvSpPr>
+          <p:spPr>
+            <a:xfrm>
+              <a:off x="224139" y="27204405"/>
+              <a:ext cx="9982200" cy="646331"/>
+            </a:xfrm>
+            <a:prstGeom prst="rect">
+              <a:avLst/>
+            </a:prstGeom>
+            <a:noFill/>
+          </p:spPr>
+          <p:txBody>
+            <a:bodyPr wrap="square" rtlCol="0">
+              <a:spAutoFit/>
+            </a:bodyPr>
+            <a:lstStyle/>
+            <a:p>
+              <a:r>
+                <a:rPr lang="en-US" sz="3600" b="1" dirty="0"/>
+                <a:t>Results</a:t>
+              </a:r>
+              <a:endParaRPr lang="en-AU" sz="3600" b="1" dirty="0"/>
+            </a:p>
+          </p:txBody>
+        </p:sp>
+        <p:sp>
+          <p:nvSpPr>
+            <p:cNvPr id="41" name="TextBox 40">
+              <a:extLst>
+                <a:ext uri="{FF2B5EF4-FFF2-40B4-BE49-F238E27FC236}">
+                  <a16:creationId xmlns:a16="http://schemas.microsoft.com/office/drawing/2014/main" id="{904819E7-39C0-DA4E-520E-E7C4132D7C9E}"/>
+                </a:ext>
+              </a:extLst>
+            </p:cNvPr>
+            <p:cNvSpPr txBox="1"/>
+            <p:nvPr/>
+          </p:nvSpPr>
+          <p:spPr>
+            <a:xfrm>
+              <a:off x="145246" y="22905303"/>
+              <a:ext cx="13382912" cy="1077218"/>
+            </a:xfrm>
+            <a:prstGeom prst="rect">
+              <a:avLst/>
+            </a:prstGeom>
+            <a:noFill/>
+          </p:spPr>
+          <p:txBody>
+            <a:bodyPr wrap="square">
+              <a:spAutoFit/>
+            </a:bodyPr>
+            <a:lstStyle/>
+            <a:p>
+              <a:pPr marL="457200" indent="-457200">
+                <a:buFont typeface="Wingdings" panose="05000000000000000000" pitchFamily="2" charset="2"/>
+                <a:buChar char="§"/>
+              </a:pPr>
+              <a:r>
+                <a:rPr lang="en-AU" sz="3200" dirty="0"/>
+                <a:t>Rising ridge congruence surface b</a:t>
+              </a:r>
+              <a:r>
+                <a:rPr lang="en-AU" sz="3200" baseline="-25000" dirty="0"/>
+                <a:t>1</a:t>
+              </a:r>
+              <a:r>
+                <a:rPr lang="en-AU" sz="3200" dirty="0"/>
+                <a:t> = b</a:t>
+              </a:r>
+              <a:r>
+                <a:rPr lang="en-AU" sz="3200" baseline="-25000" dirty="0"/>
+                <a:t>2</a:t>
+              </a:r>
+              <a:r>
+                <a:rPr lang="en-AU" sz="3200" dirty="0"/>
+                <a:t>,</a:t>
+              </a:r>
+              <a:r>
+                <a:rPr lang="en-AU" sz="3200" baseline="-25000" dirty="0"/>
+                <a:t> </a:t>
+              </a:r>
+              <a:r>
+                <a:rPr lang="en-AU" sz="3200" dirty="0"/>
+                <a:t>b</a:t>
+              </a:r>
+              <a:r>
+                <a:rPr lang="en-AU" sz="3200" baseline="-25000" dirty="0"/>
+                <a:t>4</a:t>
+              </a:r>
+              <a:r>
+                <a:rPr lang="en-AU" sz="3200" dirty="0"/>
+                <a:t> = −2 ∗ b</a:t>
+              </a:r>
+              <a:r>
+                <a:rPr lang="en-AU" sz="3200" baseline="-25000" dirty="0"/>
+                <a:t>3</a:t>
+              </a:r>
+              <a:r>
+                <a:rPr lang="en-AU" sz="3200" dirty="0"/>
+                <a:t>,</a:t>
+              </a:r>
+              <a:r>
+                <a:rPr lang="en-AU" sz="3200" baseline="-25000" dirty="0"/>
+                <a:t> </a:t>
+              </a:r>
+              <a:r>
+                <a:rPr lang="en-AU" sz="3200" dirty="0"/>
+                <a:t>b</a:t>
+              </a:r>
+              <a:r>
+                <a:rPr lang="en-AU" sz="3200" baseline="-25000" dirty="0"/>
+                <a:t>5</a:t>
+              </a:r>
+              <a:r>
+                <a:rPr lang="en-AU" sz="3200" dirty="0"/>
+                <a:t> = b</a:t>
+              </a:r>
+              <a:r>
+                <a:rPr lang="en-AU" sz="3200" baseline="-25000" dirty="0"/>
+                <a:t>3</a:t>
+              </a:r>
+              <a:r>
+                <a:rPr lang="en-AU" sz="3200" dirty="0"/>
+                <a:t>,</a:t>
+              </a:r>
+              <a:r>
+                <a:rPr lang="en-AU" sz="3200" baseline="-25000" dirty="0"/>
+                <a:t> </a:t>
+              </a:r>
+              <a:r>
+                <a:rPr lang="en-AU" sz="3200" dirty="0"/>
+                <a:t>b</a:t>
+              </a:r>
+              <a:r>
+                <a:rPr lang="en-AU" sz="3200" baseline="-25000" dirty="0"/>
+                <a:t>7</a:t>
+              </a:r>
+              <a:r>
+                <a:rPr lang="en-AU" sz="3200" dirty="0"/>
+                <a:t> = −3 ∗ b</a:t>
+              </a:r>
+              <a:r>
+                <a:rPr lang="en-AU" sz="3200" baseline="-25000" dirty="0"/>
+                <a:t>6</a:t>
+              </a:r>
+              <a:r>
+                <a:rPr lang="en-AU" sz="3200" dirty="0"/>
+                <a:t>,</a:t>
+              </a:r>
+              <a:endParaRPr lang="en-AU" sz="3200" baseline="-25000" dirty="0"/>
+            </a:p>
+            <a:p>
+              <a:r>
+                <a:rPr lang="en-AU" sz="3200" dirty="0"/>
+                <a:t>	b</a:t>
+              </a:r>
+              <a:r>
+                <a:rPr lang="en-AU" sz="3200" baseline="-25000" dirty="0"/>
+                <a:t>8</a:t>
+              </a:r>
+              <a:r>
+                <a:rPr lang="en-AU" sz="3200" dirty="0"/>
+                <a:t> = 3 ∗ b</a:t>
+              </a:r>
+              <a:r>
+                <a:rPr lang="en-AU" sz="3200" baseline="-25000" dirty="0"/>
+                <a:t>6</a:t>
+              </a:r>
+              <a:r>
+                <a:rPr lang="en-AU" sz="3200" dirty="0"/>
+                <a:t>, b</a:t>
+              </a:r>
+              <a:r>
+                <a:rPr lang="en-AU" sz="3200" baseline="-25000" dirty="0"/>
+                <a:t>9</a:t>
+              </a:r>
+              <a:r>
+                <a:rPr lang="en-AU" sz="3200" dirty="0"/>
+                <a:t> = −b</a:t>
+              </a:r>
+              <a:r>
+                <a:rPr lang="en-AU" sz="3200" baseline="-25000" dirty="0"/>
+                <a:t>6</a:t>
+              </a:r>
+            </a:p>
+          </p:txBody>
+        </p:sp>
+        <p:sp>
+          <p:nvSpPr>
+            <p:cNvPr id="43" name="TextBox 42">
+              <a:extLst>
+                <a:ext uri="{FF2B5EF4-FFF2-40B4-BE49-F238E27FC236}">
+                  <a16:creationId xmlns:a16="http://schemas.microsoft.com/office/drawing/2014/main" id="{A27AFE22-0EAF-FF2E-5F53-5980F18D6A02}"/>
+                </a:ext>
+              </a:extLst>
+            </p:cNvPr>
+            <p:cNvSpPr txBox="1"/>
+            <p:nvPr/>
+          </p:nvSpPr>
+          <p:spPr>
+            <a:xfrm>
+              <a:off x="173650" y="24591196"/>
+              <a:ext cx="13378421" cy="2062103"/>
+            </a:xfrm>
+            <a:prstGeom prst="rect">
+              <a:avLst/>
+            </a:prstGeom>
+            <a:noFill/>
+          </p:spPr>
+          <p:txBody>
+            <a:bodyPr wrap="square">
+              <a:spAutoFit/>
+            </a:bodyPr>
+            <a:lstStyle/>
+            <a:p>
+              <a:pPr marL="285750" indent="-285750">
+                <a:buFont typeface="Wingdings" panose="05000000000000000000" pitchFamily="2" charset="2"/>
+                <a:buChar char="§"/>
+              </a:pPr>
+              <a:r>
+                <a:rPr lang="en-AU" sz="3200" dirty="0"/>
+                <a:t>b</a:t>
+              </a:r>
+              <a:r>
+                <a:rPr lang="en-AU" sz="3200" baseline="-25000" dirty="0"/>
+                <a:t>3</a:t>
+              </a:r>
+              <a:r>
+                <a:rPr lang="en-AU" sz="3200" dirty="0"/>
+                <a:t> discrepancy effect (H1.1) must be significantly positive</a:t>
+              </a:r>
+            </a:p>
+            <a:p>
+              <a:pPr marL="285750" indent="-285750">
+                <a:buFont typeface="Wingdings" panose="05000000000000000000" pitchFamily="2" charset="2"/>
+                <a:buChar char="§"/>
+              </a:pPr>
+              <a:r>
+                <a:rPr lang="en-AU" sz="3200" dirty="0"/>
+                <a:t>b</a:t>
+              </a:r>
+              <a:r>
+                <a:rPr lang="en-AU" sz="3200" baseline="-25000" dirty="0"/>
+                <a:t>6</a:t>
+              </a:r>
+              <a:r>
+                <a:rPr lang="en-AU" sz="3200" dirty="0"/>
+                <a:t> direction &amp; presence of asymmetry (H1.2) must be significantly negative </a:t>
+              </a:r>
+            </a:p>
+            <a:p>
+              <a:pPr marL="285750" indent="-285750">
+                <a:buFont typeface="Wingdings" panose="05000000000000000000" pitchFamily="2" charset="2"/>
+                <a:buChar char="§"/>
+              </a:pPr>
+              <a:r>
+                <a:rPr lang="en-AU" sz="3200" dirty="0"/>
+                <a:t>u</a:t>
+              </a:r>
+              <a:r>
+                <a:rPr lang="en-AU" sz="3200" baseline="-25000" dirty="0"/>
+                <a:t>1</a:t>
+              </a:r>
+              <a:r>
+                <a:rPr lang="en-AU" sz="3200" dirty="0"/>
+                <a:t> (b</a:t>
+              </a:r>
+              <a:r>
+                <a:rPr lang="en-AU" sz="3200" baseline="-25000" dirty="0"/>
+                <a:t>1</a:t>
+              </a:r>
+              <a:r>
+                <a:rPr lang="en-AU" sz="3200" dirty="0"/>
+                <a:t> + b</a:t>
+              </a:r>
+              <a:r>
+                <a:rPr lang="en-AU" sz="3200" baseline="-25000" dirty="0"/>
+                <a:t>2</a:t>
+              </a:r>
+              <a:r>
+                <a:rPr lang="en-AU" sz="3200" dirty="0"/>
+                <a:t>) linear level effect (H1.3) must be significantly negative</a:t>
+              </a:r>
+            </a:p>
+          </p:txBody>
+        </p:sp>
+        <p:sp>
+          <p:nvSpPr>
+            <p:cNvPr id="8" name="TextBox 7">
+              <a:extLst>
+                <a:ext uri="{FF2B5EF4-FFF2-40B4-BE49-F238E27FC236}">
+                  <a16:creationId xmlns:a16="http://schemas.microsoft.com/office/drawing/2014/main" id="{43DB2295-BBFE-0999-A0E9-BF8A023AACDB}"/>
+                </a:ext>
+              </a:extLst>
+            </p:cNvPr>
+            <p:cNvSpPr txBox="1"/>
+            <p:nvPr/>
+          </p:nvSpPr>
+          <p:spPr>
+            <a:xfrm>
+              <a:off x="713053" y="28024893"/>
+              <a:ext cx="12535414" cy="584775"/>
+            </a:xfrm>
+            <a:prstGeom prst="rect">
+              <a:avLst/>
+            </a:prstGeom>
+            <a:noFill/>
+          </p:spPr>
+          <p:txBody>
+            <a:bodyPr wrap="square" rtlCol="0">
+              <a:spAutoFit/>
+            </a:bodyPr>
+            <a:lstStyle/>
+            <a:p>
+              <a:r>
+                <a:rPr lang="en-US" sz="3200" dirty="0">
+                  <a:solidFill>
+                    <a:schemeClr val="bg2">
+                      <a:lumMod val="25000"/>
+                    </a:schemeClr>
+                  </a:solidFill>
+                </a:rPr>
+                <a:t>Table 1. Parameters for rising ridge asymmetric congruence model</a:t>
+              </a:r>
+              <a:endParaRPr lang="en-AU" sz="3200" dirty="0">
+                <a:solidFill>
+                  <a:schemeClr val="bg2">
+                    <a:lumMod val="25000"/>
+                  </a:schemeClr>
+                </a:solidFill>
+              </a:endParaRPr>
+            </a:p>
+          </p:txBody>
+        </p:sp>
+      </p:grpSp>
+      <p:pic>
+        <p:nvPicPr>
+          <p:cNvPr id="14" name="Picture 13">
+            <a:extLst>
+              <a:ext uri="{FF2B5EF4-FFF2-40B4-BE49-F238E27FC236}">
+                <a16:creationId xmlns:a16="http://schemas.microsoft.com/office/drawing/2014/main" id="{AA75EAF6-8C0E-B841-4FF4-68909A884C99}"/>
+              </a:ext>
+            </a:extLst>
+          </p:cNvPr>
+          <p:cNvPicPr>
+            <a:picLocks noChangeAspect="1"/>
+          </p:cNvPicPr>
+          <p:nvPr/>
+        </p:nvPicPr>
+        <p:blipFill>
+          <a:blip r:embed="rId15"/>
+          <a:stretch>
+            <a:fillRect/>
+          </a:stretch>
+        </p:blipFill>
+        <p:spPr>
+          <a:xfrm>
+            <a:off x="1422386" y="27065314"/>
+            <a:ext cx="3182027" cy="3127422"/>
+          </a:xfrm>
+          <a:prstGeom prst="rect">
+            <a:avLst/>
+          </a:prstGeom>
+        </p:spPr>
+      </p:pic>
+    </p:spTree>
+    <p:extLst>
+      <p:ext uri="{BB962C8B-B14F-4D97-AF65-F5344CB8AC3E}">
+        <p14:creationId xmlns:p14="http://schemas.microsoft.com/office/powerpoint/2010/main" val="3617270145"/>
+      </p:ext>
+    </p:extLst>
+  </p:cSld>
+  <p:clrMapOvr>
+    <a:masterClrMapping/>
+  </p:clrMapOvr>
+</p:sld>
+</file>
+
+<file path=ppt/slides/slide4.xml><?xml version="1.0" encoding="utf-8"?>
 <p:sld xmlns:a="http://schemas.openxmlformats.org/drawingml/2006/main" xmlns:r="http://schemas.openxmlformats.org/officeDocument/2006/relationships" xmlns:p="http://schemas.openxmlformats.org/presentationml/2006/main">
   <p:cSld>
     <p:spTree>
@@ -9387,1878 +11196,6 @@
     <p:extLst>
       <p:ext uri="{BB962C8B-B14F-4D97-AF65-F5344CB8AC3E}">
         <p14:creationId xmlns:p14="http://schemas.microsoft.com/office/powerpoint/2010/main" val="3382213826"/>
-      </p:ext>
-    </p:extLst>
-  </p:cSld>
-  <p:clrMapOvr>
-    <a:masterClrMapping/>
-  </p:clrMapOvr>
-</p:sld>
-</file>
-
-<file path=ppt/slides/slide4.xml><?xml version="1.0" encoding="utf-8"?>
-<p:sld xmlns:a="http://schemas.openxmlformats.org/drawingml/2006/main" xmlns:r="http://schemas.openxmlformats.org/officeDocument/2006/relationships" xmlns:p="http://schemas.openxmlformats.org/presentationml/2006/main">
-  <p:cSld>
-    <p:spTree>
-      <p:nvGrpSpPr>
-        <p:cNvPr id="1" name=""/>
-        <p:cNvGrpSpPr/>
-        <p:nvPr/>
-      </p:nvGrpSpPr>
-      <p:grpSpPr>
-        <a:xfrm>
-          <a:off x="0" y="0"/>
-          <a:ext cx="0" cy="0"/>
-          <a:chOff x="0" y="0"/>
-          <a:chExt cx="0" cy="0"/>
-        </a:xfrm>
-      </p:grpSpPr>
-      <p:pic>
-        <p:nvPicPr>
-          <p:cNvPr id="9" name="Picture 8">
-            <a:extLst>
-              <a:ext uri="{FF2B5EF4-FFF2-40B4-BE49-F238E27FC236}">
-                <a16:creationId xmlns:a16="http://schemas.microsoft.com/office/drawing/2014/main" id="{E7CF0C18-62A3-DBF8-8A4C-6AE28572F86D}"/>
-              </a:ext>
-            </a:extLst>
-          </p:cNvPr>
-          <p:cNvPicPr>
-            <a:picLocks noChangeAspect="1"/>
-          </p:cNvPicPr>
-          <p:nvPr/>
-        </p:nvPicPr>
-        <p:blipFill>
-          <a:blip r:embed="rId3"/>
-          <a:stretch>
-            <a:fillRect/>
-          </a:stretch>
-        </p:blipFill>
-        <p:spPr>
-          <a:xfrm>
-            <a:off x="37495749" y="232517"/>
-            <a:ext cx="11385329" cy="8843542"/>
-          </a:xfrm>
-          <a:prstGeom prst="rect">
-            <a:avLst/>
-          </a:prstGeom>
-        </p:spPr>
-      </p:pic>
-      <p:pic>
-        <p:nvPicPr>
-          <p:cNvPr id="46" name="Picture 45">
-            <a:extLst>
-              <a:ext uri="{FF2B5EF4-FFF2-40B4-BE49-F238E27FC236}">
-                <a16:creationId xmlns:a16="http://schemas.microsoft.com/office/drawing/2014/main" id="{66AF8855-A1F1-2C85-0E21-9755F7C247AB}"/>
-              </a:ext>
-            </a:extLst>
-          </p:cNvPr>
-          <p:cNvPicPr>
-            <a:picLocks noChangeAspect="1"/>
-          </p:cNvPicPr>
-          <p:nvPr/>
-        </p:nvPicPr>
-        <p:blipFill>
-          <a:blip r:embed="rId4"/>
-          <a:stretch>
-            <a:fillRect/>
-          </a:stretch>
-        </p:blipFill>
-        <p:spPr>
-          <a:xfrm>
-            <a:off x="38137805" y="9158818"/>
-            <a:ext cx="10101216" cy="4398704"/>
-          </a:xfrm>
-          <a:prstGeom prst="rect">
-            <a:avLst/>
-          </a:prstGeom>
-        </p:spPr>
-      </p:pic>
-      <p:sp>
-        <p:nvSpPr>
-          <p:cNvPr id="48" name="TextBox 47">
-            <a:extLst>
-              <a:ext uri="{FF2B5EF4-FFF2-40B4-BE49-F238E27FC236}">
-                <a16:creationId xmlns:a16="http://schemas.microsoft.com/office/drawing/2014/main" id="{1D12D887-7088-82CA-A8FC-DC49BB46CC63}"/>
-              </a:ext>
-            </a:extLst>
-          </p:cNvPr>
-          <p:cNvSpPr txBox="1"/>
-          <p:nvPr/>
-        </p:nvSpPr>
-        <p:spPr>
-          <a:xfrm>
-            <a:off x="37150141" y="26197622"/>
-            <a:ext cx="9982200" cy="646331"/>
-          </a:xfrm>
-          <a:prstGeom prst="rect">
-            <a:avLst/>
-          </a:prstGeom>
-          <a:noFill/>
-        </p:spPr>
-        <p:txBody>
-          <a:bodyPr wrap="square" rtlCol="0">
-            <a:spAutoFit/>
-          </a:bodyPr>
-          <a:lstStyle/>
-          <a:p>
-            <a:r>
-              <a:rPr lang="en-US" sz="3600" b="1" dirty="0"/>
-              <a:t>Conclusions</a:t>
-            </a:r>
-            <a:endParaRPr lang="en-AU" sz="3600" b="1" dirty="0"/>
-          </a:p>
-        </p:txBody>
-      </p:sp>
-      <p:pic>
-        <p:nvPicPr>
-          <p:cNvPr id="50" name="Picture 49">
-            <a:extLst>
-              <a:ext uri="{FF2B5EF4-FFF2-40B4-BE49-F238E27FC236}">
-                <a16:creationId xmlns:a16="http://schemas.microsoft.com/office/drawing/2014/main" id="{54866DEA-C590-2A0B-658E-5C82A531A468}"/>
-              </a:ext>
-            </a:extLst>
-          </p:cNvPr>
-          <p:cNvPicPr>
-            <a:picLocks noChangeAspect="1"/>
-          </p:cNvPicPr>
-          <p:nvPr/>
-        </p:nvPicPr>
-        <p:blipFill>
-          <a:blip r:embed="rId5"/>
-          <a:stretch>
-            <a:fillRect/>
-          </a:stretch>
-        </p:blipFill>
-        <p:spPr>
-          <a:xfrm>
-            <a:off x="36928818" y="19613081"/>
-            <a:ext cx="7004416" cy="6367649"/>
-          </a:xfrm>
-          <a:prstGeom prst="rect">
-            <a:avLst/>
-          </a:prstGeom>
-        </p:spPr>
-      </p:pic>
-      <p:pic>
-        <p:nvPicPr>
-          <p:cNvPr id="56" name="Picture 55">
-            <a:extLst>
-              <a:ext uri="{FF2B5EF4-FFF2-40B4-BE49-F238E27FC236}">
-                <a16:creationId xmlns:a16="http://schemas.microsoft.com/office/drawing/2014/main" id="{782ABB11-37EA-97C6-BFED-4919C781A767}"/>
-              </a:ext>
-            </a:extLst>
-          </p:cNvPr>
-          <p:cNvPicPr>
-            <a:picLocks noChangeAspect="1"/>
-          </p:cNvPicPr>
-          <p:nvPr/>
-        </p:nvPicPr>
-        <p:blipFill>
-          <a:blip r:embed="rId6"/>
-          <a:stretch>
-            <a:fillRect/>
-          </a:stretch>
-        </p:blipFill>
-        <p:spPr>
-          <a:xfrm>
-            <a:off x="43588047" y="19589371"/>
-            <a:ext cx="6638253" cy="6367649"/>
-          </a:xfrm>
-          <a:prstGeom prst="rect">
-            <a:avLst/>
-          </a:prstGeom>
-        </p:spPr>
-      </p:pic>
-      <p:pic>
-        <p:nvPicPr>
-          <p:cNvPr id="58" name="Picture 57">
-            <a:extLst>
-              <a:ext uri="{FF2B5EF4-FFF2-40B4-BE49-F238E27FC236}">
-                <a16:creationId xmlns:a16="http://schemas.microsoft.com/office/drawing/2014/main" id="{B518E258-638D-600F-8E31-6D1F34576636}"/>
-              </a:ext>
-            </a:extLst>
-          </p:cNvPr>
-          <p:cNvPicPr>
-            <a:picLocks noChangeAspect="1"/>
-          </p:cNvPicPr>
-          <p:nvPr/>
-        </p:nvPicPr>
-        <p:blipFill>
-          <a:blip r:embed="rId7"/>
-          <a:stretch>
-            <a:fillRect/>
-          </a:stretch>
-        </p:blipFill>
-        <p:spPr>
-          <a:xfrm>
-            <a:off x="36961034" y="13262839"/>
-            <a:ext cx="6605567" cy="6015323"/>
-          </a:xfrm>
-          <a:prstGeom prst="rect">
-            <a:avLst/>
-          </a:prstGeom>
-        </p:spPr>
-      </p:pic>
-      <p:pic>
-        <p:nvPicPr>
-          <p:cNvPr id="60" name="Picture 59">
-            <a:extLst>
-              <a:ext uri="{FF2B5EF4-FFF2-40B4-BE49-F238E27FC236}">
-                <a16:creationId xmlns:a16="http://schemas.microsoft.com/office/drawing/2014/main" id="{8478BA18-9C47-F9F6-F4FD-E045A36F04C4}"/>
-              </a:ext>
-            </a:extLst>
-          </p:cNvPr>
-          <p:cNvPicPr>
-            <a:picLocks noChangeAspect="1"/>
-          </p:cNvPicPr>
-          <p:nvPr/>
-        </p:nvPicPr>
-        <p:blipFill>
-          <a:blip r:embed="rId8"/>
-          <a:stretch>
-            <a:fillRect/>
-          </a:stretch>
-        </p:blipFill>
-        <p:spPr>
-          <a:xfrm>
-            <a:off x="43529680" y="13221722"/>
-            <a:ext cx="6472152" cy="6367649"/>
-          </a:xfrm>
-          <a:prstGeom prst="rect">
-            <a:avLst/>
-          </a:prstGeom>
-        </p:spPr>
-      </p:pic>
-      <p:sp>
-        <p:nvSpPr>
-          <p:cNvPr id="62" name="TextBox 61">
-            <a:extLst>
-              <a:ext uri="{FF2B5EF4-FFF2-40B4-BE49-F238E27FC236}">
-                <a16:creationId xmlns:a16="http://schemas.microsoft.com/office/drawing/2014/main" id="{BA36A4C5-C6C1-E345-F353-569D5628C0B3}"/>
-              </a:ext>
-            </a:extLst>
-          </p:cNvPr>
-          <p:cNvSpPr txBox="1"/>
-          <p:nvPr/>
-        </p:nvSpPr>
-        <p:spPr>
-          <a:xfrm>
-            <a:off x="36928818" y="26999575"/>
-            <a:ext cx="13525186" cy="5509200"/>
-          </a:xfrm>
-          <a:prstGeom prst="rect">
-            <a:avLst/>
-          </a:prstGeom>
-          <a:noFill/>
-        </p:spPr>
-        <p:txBody>
-          <a:bodyPr wrap="square">
-            <a:spAutoFit/>
-          </a:bodyPr>
-          <a:lstStyle/>
-          <a:p>
-            <a:pPr marL="571500" indent="-571500">
-              <a:buFont typeface="Wingdings" panose="05000000000000000000" pitchFamily="2" charset="2"/>
-              <a:buChar char="§"/>
-            </a:pPr>
-            <a:r>
-              <a:rPr lang="en-US" sz="3200" dirty="0"/>
-              <a:t>Response surface analysis is a useful alternative to derived indices for investigating sleep discrepancy</a:t>
-            </a:r>
-          </a:p>
-          <a:p>
-            <a:pPr marL="571500" indent="-571500">
-              <a:buFont typeface="Wingdings" panose="05000000000000000000" pitchFamily="2" charset="2"/>
-              <a:buChar char="§"/>
-            </a:pPr>
-            <a:r>
-              <a:rPr lang="en-US" sz="3200" dirty="0"/>
-              <a:t>Discrepancy in sleep time parameters can be importantly </a:t>
-            </a:r>
-            <a:r>
-              <a:rPr lang="en-AU" sz="3200" dirty="0"/>
-              <a:t>different to misperception</a:t>
-            </a:r>
-          </a:p>
-          <a:p>
-            <a:pPr marL="571500" indent="-571500">
-              <a:buFont typeface="Wingdings" panose="05000000000000000000" pitchFamily="2" charset="2"/>
-              <a:buChar char="§"/>
-            </a:pPr>
-            <a:r>
-              <a:rPr lang="en-AU" sz="3200" dirty="0"/>
-              <a:t>Emphasis on perception of sleep quantity rather than sleep misperception per se</a:t>
-            </a:r>
-          </a:p>
-          <a:p>
-            <a:pPr marL="1028700" lvl="1" indent="-571500">
-              <a:buFont typeface="Wingdings" panose="05000000000000000000" pitchFamily="2" charset="2"/>
-              <a:buChar char="§"/>
-            </a:pPr>
-            <a:r>
-              <a:rPr lang="en-AU" sz="3200" dirty="0"/>
-              <a:t>Experiments with hypnotics</a:t>
-            </a:r>
-          </a:p>
-          <a:p>
-            <a:pPr marL="1028700" lvl="1" indent="-571500">
-              <a:buFont typeface="Wingdings" panose="05000000000000000000" pitchFamily="2" charset="2"/>
-              <a:buChar char="§"/>
-            </a:pPr>
-            <a:r>
-              <a:rPr lang="en-AU" sz="3200" dirty="0"/>
-              <a:t>Low self-report + objective as different phenotype</a:t>
-            </a:r>
-          </a:p>
-          <a:p>
-            <a:pPr marL="571500" indent="-571500">
-              <a:buFont typeface="Wingdings" panose="05000000000000000000" pitchFamily="2" charset="2"/>
-              <a:buChar char="§"/>
-            </a:pPr>
-            <a:r>
-              <a:rPr lang="en-AU" sz="3200" dirty="0"/>
-              <a:t>Results to be replicated in pre-registered study</a:t>
-            </a:r>
-          </a:p>
-          <a:p>
-            <a:pPr marL="571500" indent="-571500">
-              <a:buFont typeface="Wingdings" panose="05000000000000000000" pitchFamily="2" charset="2"/>
-              <a:buChar char="§"/>
-            </a:pPr>
-            <a:endParaRPr lang="en-AU" sz="3200" dirty="0"/>
-          </a:p>
-          <a:p>
-            <a:pPr marL="571500" indent="-571500">
-              <a:buFont typeface="Wingdings" panose="05000000000000000000" pitchFamily="2" charset="2"/>
-              <a:buChar char="§"/>
-            </a:pPr>
-            <a:endParaRPr lang="en-AU" sz="3200" dirty="0"/>
-          </a:p>
-        </p:txBody>
-      </p:sp>
-      <p:sp>
-        <p:nvSpPr>
-          <p:cNvPr id="2" name="Rectangle 1">
-            <a:extLst>
-              <a:ext uri="{FF2B5EF4-FFF2-40B4-BE49-F238E27FC236}">
-                <a16:creationId xmlns:a16="http://schemas.microsoft.com/office/drawing/2014/main" id="{38FB45B3-9B4B-1981-093A-7D7EF3D38713}"/>
-              </a:ext>
-            </a:extLst>
-          </p:cNvPr>
-          <p:cNvSpPr/>
-          <p:nvPr/>
-        </p:nvSpPr>
-        <p:spPr>
-          <a:xfrm>
-            <a:off x="42177093" y="13481487"/>
-            <a:ext cx="1352587" cy="12421700"/>
-          </a:xfrm>
-          <a:prstGeom prst="rect">
-            <a:avLst/>
-          </a:prstGeom>
-          <a:solidFill>
-            <a:schemeClr val="bg1"/>
-          </a:solidFill>
-          <a:ln>
-            <a:solidFill>
-              <a:schemeClr val="bg1"/>
-            </a:solidFill>
-          </a:ln>
-        </p:spPr>
-        <p:style>
-          <a:lnRef idx="2">
-            <a:schemeClr val="accent1">
-              <a:shade val="15000"/>
-            </a:schemeClr>
-          </a:lnRef>
-          <a:fillRef idx="1">
-            <a:schemeClr val="accent1"/>
-          </a:fillRef>
-          <a:effectRef idx="0">
-            <a:schemeClr val="accent1"/>
-          </a:effectRef>
-          <a:fontRef idx="minor">
-            <a:schemeClr val="lt1"/>
-          </a:fontRef>
-        </p:style>
-        <p:txBody>
-          <a:bodyPr rtlCol="0" anchor="ctr"/>
-          <a:lstStyle/>
-          <a:p>
-            <a:pPr algn="ctr"/>
-            <a:endParaRPr lang="en-AU"/>
-          </a:p>
-        </p:txBody>
-      </p:sp>
-      <p:sp>
-        <p:nvSpPr>
-          <p:cNvPr id="4" name="Rectangle 3">
-            <a:extLst>
-              <a:ext uri="{FF2B5EF4-FFF2-40B4-BE49-F238E27FC236}">
-                <a16:creationId xmlns:a16="http://schemas.microsoft.com/office/drawing/2014/main" id="{82174F99-124A-9D92-2A3B-4BCAF73B893D}"/>
-              </a:ext>
-            </a:extLst>
-          </p:cNvPr>
-          <p:cNvSpPr/>
-          <p:nvPr/>
-        </p:nvSpPr>
-        <p:spPr>
-          <a:xfrm>
-            <a:off x="0" y="0"/>
-            <a:ext cx="22837137" cy="32399288"/>
-          </a:xfrm>
-          <a:prstGeom prst="rect">
-            <a:avLst/>
-          </a:prstGeom>
-          <a:solidFill>
-            <a:srgbClr val="002060"/>
-          </a:solidFill>
-          <a:ln>
-            <a:noFill/>
-          </a:ln>
-        </p:spPr>
-        <p:style>
-          <a:lnRef idx="2">
-            <a:schemeClr val="accent1">
-              <a:shade val="15000"/>
-            </a:schemeClr>
-          </a:lnRef>
-          <a:fillRef idx="1">
-            <a:schemeClr val="accent1"/>
-          </a:fillRef>
-          <a:effectRef idx="0">
-            <a:schemeClr val="accent1"/>
-          </a:effectRef>
-          <a:fontRef idx="minor">
-            <a:schemeClr val="lt1"/>
-          </a:fontRef>
-        </p:style>
-        <p:txBody>
-          <a:bodyPr rtlCol="0" anchor="ctr"/>
-          <a:lstStyle/>
-          <a:p>
-            <a:pPr algn="ctr"/>
-            <a:endParaRPr lang="en-AU" sz="34925"/>
-          </a:p>
-        </p:txBody>
-      </p:sp>
-      <p:sp>
-        <p:nvSpPr>
-          <p:cNvPr id="5" name="TextBox 4">
-            <a:extLst>
-              <a:ext uri="{FF2B5EF4-FFF2-40B4-BE49-F238E27FC236}">
-                <a16:creationId xmlns:a16="http://schemas.microsoft.com/office/drawing/2014/main" id="{B0CD3F67-D999-16F5-E7CB-5E910B5F5883}"/>
-              </a:ext>
-            </a:extLst>
-          </p:cNvPr>
-          <p:cNvSpPr txBox="1"/>
-          <p:nvPr/>
-        </p:nvSpPr>
-        <p:spPr>
-          <a:xfrm>
-            <a:off x="778932" y="1765326"/>
-            <a:ext cx="21037326" cy="12834283"/>
-          </a:xfrm>
-          <a:prstGeom prst="rect">
-            <a:avLst/>
-          </a:prstGeom>
-          <a:noFill/>
-        </p:spPr>
-        <p:txBody>
-          <a:bodyPr wrap="square" rtlCol="0">
-            <a:spAutoFit/>
-          </a:bodyPr>
-          <a:lstStyle/>
-          <a:p>
-            <a:r>
-              <a:rPr lang="en-US" sz="13800" dirty="0">
-                <a:solidFill>
-                  <a:schemeClr val="bg1"/>
-                </a:solidFill>
-              </a:rPr>
-              <a:t>Response surface analysis</a:t>
-            </a:r>
-            <a:r>
-              <a:rPr lang="en-US" sz="13800" b="1" dirty="0">
-                <a:solidFill>
-                  <a:schemeClr val="bg1"/>
-                </a:solidFill>
-              </a:rPr>
-              <a:t> </a:t>
-            </a:r>
-            <a:r>
-              <a:rPr lang="en-US" sz="13800" dirty="0">
-                <a:solidFill>
-                  <a:schemeClr val="bg1"/>
-                </a:solidFill>
-              </a:rPr>
-              <a:t>revealed </a:t>
-            </a:r>
-            <a:r>
-              <a:rPr lang="en-US" sz="13800" b="1" dirty="0">
-                <a:solidFill>
-                  <a:schemeClr val="bg1"/>
-                </a:solidFill>
-              </a:rPr>
-              <a:t>sleep discrepancy </a:t>
-            </a:r>
-            <a:r>
-              <a:rPr lang="en-US" sz="13800" dirty="0">
-                <a:solidFill>
-                  <a:schemeClr val="bg1"/>
-                </a:solidFill>
-              </a:rPr>
-              <a:t>was not associated with </a:t>
-            </a:r>
-            <a:r>
-              <a:rPr lang="en-US" sz="13800" b="1" dirty="0">
-                <a:solidFill>
-                  <a:schemeClr val="bg1"/>
-                </a:solidFill>
-              </a:rPr>
-              <a:t>insomnia symptom severity </a:t>
-            </a:r>
-            <a:r>
-              <a:rPr lang="en-US" sz="13800" dirty="0">
-                <a:solidFill>
-                  <a:schemeClr val="bg1"/>
-                </a:solidFill>
-              </a:rPr>
-              <a:t>in older men.</a:t>
-            </a:r>
-          </a:p>
-        </p:txBody>
-      </p:sp>
-      <p:grpSp>
-        <p:nvGrpSpPr>
-          <p:cNvPr id="3" name="Group 2">
-            <a:extLst>
-              <a:ext uri="{FF2B5EF4-FFF2-40B4-BE49-F238E27FC236}">
-                <a16:creationId xmlns:a16="http://schemas.microsoft.com/office/drawing/2014/main" id="{C16C8BD2-ED36-2B67-9048-AD01143E728A}"/>
-              </a:ext>
-            </a:extLst>
-          </p:cNvPr>
-          <p:cNvGrpSpPr/>
-          <p:nvPr/>
-        </p:nvGrpSpPr>
-        <p:grpSpPr>
-          <a:xfrm>
-            <a:off x="1009536" y="26487717"/>
-            <a:ext cx="4007728" cy="4968240"/>
-            <a:chOff x="32239974" y="26761440"/>
-            <a:chExt cx="3981986" cy="4968240"/>
-          </a:xfrm>
-        </p:grpSpPr>
-        <p:sp>
-          <p:nvSpPr>
-            <p:cNvPr id="7" name="Rectangle: Rounded Corners 6">
-              <a:extLst>
-                <a:ext uri="{FF2B5EF4-FFF2-40B4-BE49-F238E27FC236}">
-                  <a16:creationId xmlns:a16="http://schemas.microsoft.com/office/drawing/2014/main" id="{C5662284-D9F7-7679-381D-D9187CA38CCE}"/>
-                </a:ext>
-              </a:extLst>
-            </p:cNvPr>
-            <p:cNvSpPr/>
-            <p:nvPr/>
-          </p:nvSpPr>
-          <p:spPr>
-            <a:xfrm>
-              <a:off x="32239974" y="26761440"/>
-              <a:ext cx="3981986" cy="4968240"/>
-            </a:xfrm>
-            <a:prstGeom prst="roundRect">
-              <a:avLst/>
-            </a:prstGeom>
-            <a:solidFill>
-              <a:schemeClr val="bg1"/>
-            </a:solidFill>
-            <a:ln>
-              <a:noFill/>
-            </a:ln>
-          </p:spPr>
-          <p:style>
-            <a:lnRef idx="2">
-              <a:schemeClr val="accent1">
-                <a:shade val="15000"/>
-              </a:schemeClr>
-            </a:lnRef>
-            <a:fillRef idx="1">
-              <a:schemeClr val="accent1"/>
-            </a:fillRef>
-            <a:effectRef idx="0">
-              <a:schemeClr val="accent1"/>
-            </a:effectRef>
-            <a:fontRef idx="minor">
-              <a:schemeClr val="lt1"/>
-            </a:fontRef>
-          </p:style>
-          <p:txBody>
-            <a:bodyPr rtlCol="0" anchor="ctr"/>
-            <a:lstStyle/>
-            <a:p>
-              <a:pPr algn="ctr"/>
-              <a:endParaRPr lang="en-AU" dirty="0"/>
-            </a:p>
-          </p:txBody>
-        </p:sp>
-        <p:sp>
-          <p:nvSpPr>
-            <p:cNvPr id="10" name="TextBox 9">
-              <a:extLst>
-                <a:ext uri="{FF2B5EF4-FFF2-40B4-BE49-F238E27FC236}">
-                  <a16:creationId xmlns:a16="http://schemas.microsoft.com/office/drawing/2014/main" id="{F50C247A-C267-FF32-056A-196FAD1E45AD}"/>
-                </a:ext>
-              </a:extLst>
-            </p:cNvPr>
-            <p:cNvSpPr txBox="1"/>
-            <p:nvPr/>
-          </p:nvSpPr>
-          <p:spPr>
-            <a:xfrm>
-              <a:off x="33090773" y="30571440"/>
-              <a:ext cx="2477524" cy="707886"/>
-            </a:xfrm>
-            <a:prstGeom prst="rect">
-              <a:avLst/>
-            </a:prstGeom>
-            <a:noFill/>
-          </p:spPr>
-          <p:txBody>
-            <a:bodyPr wrap="square" rtlCol="0">
-              <a:spAutoFit/>
-            </a:bodyPr>
-            <a:lstStyle/>
-            <a:p>
-              <a:r>
-                <a:rPr lang="en-US" sz="4000" b="1" dirty="0"/>
-                <a:t>SCAN ME</a:t>
-              </a:r>
-              <a:endParaRPr lang="en-AU" sz="4000" b="1" dirty="0"/>
-            </a:p>
-          </p:txBody>
-        </p:sp>
-        <p:pic>
-          <p:nvPicPr>
-            <p:cNvPr id="6" name="Picture 5">
-              <a:extLst>
-                <a:ext uri="{FF2B5EF4-FFF2-40B4-BE49-F238E27FC236}">
-                  <a16:creationId xmlns:a16="http://schemas.microsoft.com/office/drawing/2014/main" id="{43CBB5AE-73FA-1867-FE19-A9D8AFE34B36}"/>
-                </a:ext>
-              </a:extLst>
-            </p:cNvPr>
-            <p:cNvPicPr>
-              <a:picLocks noChangeAspect="1"/>
-            </p:cNvPicPr>
-            <p:nvPr/>
-          </p:nvPicPr>
-          <p:blipFill>
-            <a:blip r:embed="rId9"/>
-            <a:stretch>
-              <a:fillRect/>
-            </a:stretch>
-          </p:blipFill>
-          <p:spPr>
-            <a:xfrm>
-              <a:off x="32629179" y="27274789"/>
-              <a:ext cx="3400711" cy="3326459"/>
-            </a:xfrm>
-            <a:prstGeom prst="rect">
-              <a:avLst/>
-            </a:prstGeom>
-          </p:spPr>
-        </p:pic>
-      </p:grpSp>
-      <p:grpSp>
-        <p:nvGrpSpPr>
-          <p:cNvPr id="16" name="Group 15">
-            <a:extLst>
-              <a:ext uri="{FF2B5EF4-FFF2-40B4-BE49-F238E27FC236}">
-                <a16:creationId xmlns:a16="http://schemas.microsoft.com/office/drawing/2014/main" id="{05100C44-16BF-30E4-6BAB-006DBA025919}"/>
-              </a:ext>
-            </a:extLst>
-          </p:cNvPr>
-          <p:cNvGrpSpPr/>
-          <p:nvPr/>
-        </p:nvGrpSpPr>
-        <p:grpSpPr>
-          <a:xfrm>
-            <a:off x="23259416" y="1026699"/>
-            <a:ext cx="13647947" cy="30487602"/>
-            <a:chOff x="145246" y="632948"/>
-            <a:chExt cx="13647947" cy="30487602"/>
-          </a:xfrm>
-        </p:grpSpPr>
-        <p:grpSp>
-          <p:nvGrpSpPr>
-            <p:cNvPr id="15" name="Group 14">
-              <a:extLst>
-                <a:ext uri="{FF2B5EF4-FFF2-40B4-BE49-F238E27FC236}">
-                  <a16:creationId xmlns:a16="http://schemas.microsoft.com/office/drawing/2014/main" id="{2A714890-A2F0-5734-CEB3-7B66AD9A8809}"/>
-                </a:ext>
-              </a:extLst>
-            </p:cNvPr>
-            <p:cNvGrpSpPr/>
-            <p:nvPr/>
-          </p:nvGrpSpPr>
-          <p:grpSpPr>
-            <a:xfrm>
-              <a:off x="315348" y="7636966"/>
-              <a:ext cx="13095027" cy="4739759"/>
-              <a:chOff x="315348" y="7636966"/>
-              <a:chExt cx="13095027" cy="4739759"/>
-            </a:xfrm>
-          </p:grpSpPr>
-          <p:sp>
-            <p:nvSpPr>
-              <p:cNvPr id="20" name="Rectangle 3">
-                <a:extLst>
-                  <a:ext uri="{FF2B5EF4-FFF2-40B4-BE49-F238E27FC236}">
-                    <a16:creationId xmlns:a16="http://schemas.microsoft.com/office/drawing/2014/main" id="{87BA0EAE-EF70-65C4-3F99-B5EFF73B5F0A}"/>
-                  </a:ext>
-                </a:extLst>
-              </p:cNvPr>
-              <p:cNvSpPr>
-                <a:spLocks noChangeArrowheads="1"/>
-              </p:cNvSpPr>
-              <p:nvPr/>
-            </p:nvSpPr>
-            <p:spPr bwMode="auto">
-              <a:xfrm>
-                <a:off x="315348" y="7636966"/>
-                <a:ext cx="13095027" cy="4739759"/>
-              </a:xfrm>
-              <a:prstGeom prst="rect">
-                <a:avLst/>
-              </a:prstGeom>
-              <a:noFill/>
-              <a:ln>
-                <a:noFill/>
-              </a:ln>
-              <a:effectLst/>
-              <a:extLst>
-                <a:ext uri="{909E8E84-426E-40DD-AFC4-6F175D3DCCD1}">
-                  <a14:hiddenFill xmlns:a14="http://schemas.microsoft.com/office/drawing/2010/main">
-                    <a:solidFill>
-                      <a:schemeClr val="accent1"/>
-                    </a:solidFill>
-                  </a14:hiddenFill>
-                </a:ext>
-                <a:ext uri="{91240B29-F687-4F45-9708-019B960494DF}">
-                  <a14:hiddenLine xmlns:a14="http://schemas.microsoft.com/office/drawing/2010/main" w="9525">
-                    <a:solidFill>
-                      <a:schemeClr val="tx1"/>
-                    </a:solidFill>
-                    <a:miter lim="800000"/>
-                    <a:headEnd/>
-                    <a:tailEnd/>
-                  </a14:hiddenLine>
-                </a:ext>
-                <a:ext uri="{AF507438-7753-43E0-B8FC-AC1667EBCBE1}">
-                  <a14:hiddenEffects xmlns:a14="http://schemas.microsoft.com/office/drawing/2010/main">
-                    <a:effectLst>
-                      <a:outerShdw dist="35921" dir="2700000" algn="ctr" rotWithShape="0">
-                        <a:schemeClr val="bg2"/>
-                      </a:outerShdw>
-                    </a:effectLst>
-                  </a14:hiddenEffects>
-                </a:ext>
-              </a:extLst>
-            </p:spPr>
-            <p:txBody>
-              <a:bodyPr vert="horz" wrap="square" lIns="91440" tIns="45720" rIns="91440" bIns="45720" numCol="1" anchor="ctr" anchorCtr="0" compatLnSpc="1">
-                <a:prstTxWarp prst="textNoShape">
-                  <a:avLst/>
-                </a:prstTxWarp>
-                <a:spAutoFit/>
-              </a:bodyPr>
-              <a:lstStyle/>
-              <a:p>
-                <a:pPr lvl="0" defTabSz="914400" eaLnBrk="0" fontAlgn="base" hangingPunct="0">
-                  <a:lnSpc>
-                    <a:spcPct val="150000"/>
-                  </a:lnSpc>
-                  <a:spcBef>
-                    <a:spcPct val="0"/>
-                  </a:spcBef>
-                  <a:spcAft>
-                    <a:spcPct val="0"/>
-                  </a:spcAft>
-                </a:pPr>
-                <a:r>
-                  <a:rPr kumimoji="0" lang="en-US" altLang="en-US" sz="3600" b="1" i="0" u="none" strike="noStrike" cap="none" normalizeH="0" baseline="0" dirty="0">
-                    <a:ln>
-                      <a:noFill/>
-                    </a:ln>
-                    <a:solidFill>
-                      <a:schemeClr val="tx1"/>
-                    </a:solidFill>
-                    <a:effectLst/>
-                  </a:rPr>
-                  <a:t>Tom F. Walton</a:t>
-                </a:r>
-                <a:r>
-                  <a:rPr kumimoji="0" lang="en-US" altLang="en-US" sz="3600" b="1" i="0" u="none" strike="noStrike" cap="none" normalizeH="0" baseline="30000" dirty="0">
-                    <a:ln>
-                      <a:noFill/>
-                    </a:ln>
-                    <a:solidFill>
-                      <a:schemeClr val="tx1"/>
-                    </a:solidFill>
-                    <a:effectLst/>
-                  </a:rPr>
-                  <a:t> 1</a:t>
-                </a:r>
-              </a:p>
-              <a:p>
-                <a:pPr lvl="0" defTabSz="914400" eaLnBrk="0" fontAlgn="base" hangingPunct="0">
-                  <a:lnSpc>
-                    <a:spcPct val="150000"/>
-                  </a:lnSpc>
-                  <a:spcBef>
-                    <a:spcPct val="0"/>
-                  </a:spcBef>
-                  <a:spcAft>
-                    <a:spcPct val="0"/>
-                  </a:spcAft>
-                </a:pPr>
-                <a:r>
-                  <a:rPr kumimoji="0" lang="en-US" altLang="en-US" sz="3600" i="0" u="none" strike="noStrike" cap="none" normalizeH="0" baseline="0" dirty="0">
-                    <a:ln>
-                      <a:noFill/>
-                    </a:ln>
-                    <a:solidFill>
-                      <a:schemeClr val="tx1"/>
-                    </a:solidFill>
-                    <a:effectLst/>
-                  </a:rPr>
-                  <a:t>	tom.fioccowalton@research.uwa.edu.au </a:t>
-                </a:r>
-                <a:br>
-                  <a:rPr kumimoji="0" lang="en-US" altLang="en-US" sz="3600" i="0" u="none" strike="noStrike" cap="none" normalizeH="0" baseline="0" dirty="0">
-                    <a:ln>
-                      <a:noFill/>
-                    </a:ln>
-                    <a:solidFill>
-                      <a:schemeClr val="tx1"/>
-                    </a:solidFill>
-                    <a:effectLst/>
-                  </a:rPr>
-                </a:br>
-                <a:r>
-                  <a:rPr kumimoji="0" lang="en-US" altLang="en-US" sz="3600" i="0" u="none" strike="noStrike" cap="none" normalizeH="0" baseline="0" dirty="0">
-                    <a:ln>
-                      <a:noFill/>
-                    </a:ln>
-                    <a:solidFill>
-                      <a:schemeClr val="tx1"/>
-                    </a:solidFill>
-                    <a:effectLst/>
-                  </a:rPr>
-                  <a:t>	</a:t>
-                </a:r>
-                <a:r>
-                  <a:rPr lang="en-US" altLang="en-US" sz="3600" dirty="0"/>
-                  <a:t>https://github.com/tfwalton</a:t>
-                </a:r>
-                <a:endParaRPr kumimoji="0" lang="en-US" altLang="en-US" sz="3600" i="0" u="none" strike="noStrike" cap="none" normalizeH="0" baseline="0" dirty="0">
-                  <a:ln>
-                    <a:noFill/>
-                  </a:ln>
-                  <a:solidFill>
-                    <a:schemeClr val="tx1"/>
-                  </a:solidFill>
-                  <a:effectLst/>
-                </a:endParaRPr>
-              </a:p>
-              <a:p>
-                <a:pPr marL="0" marR="0" lvl="0" indent="0" algn="l" defTabSz="914400" rtl="0" eaLnBrk="0" fontAlgn="base" latinLnBrk="0" hangingPunct="0">
-                  <a:lnSpc>
-                    <a:spcPct val="100000"/>
-                  </a:lnSpc>
-                  <a:spcBef>
-                    <a:spcPct val="0"/>
-                  </a:spcBef>
-                  <a:spcAft>
-                    <a:spcPct val="0"/>
-                  </a:spcAft>
-                  <a:buClrTx/>
-                  <a:buSzTx/>
-                  <a:buFontTx/>
-                  <a:buNone/>
-                  <a:tabLst/>
-                </a:pPr>
-                <a:endParaRPr kumimoji="0" lang="en-US" altLang="en-US" sz="2800" b="1" i="0" u="none" strike="noStrike" cap="none" normalizeH="0" baseline="0" dirty="0">
-                  <a:ln>
-                    <a:noFill/>
-                  </a:ln>
-                  <a:solidFill>
-                    <a:schemeClr val="tx1"/>
-                  </a:solidFill>
-                  <a:effectLst/>
-                </a:endParaRPr>
-              </a:p>
-              <a:p>
-                <a:pPr defTabSz="914400" eaLnBrk="0" fontAlgn="base" hangingPunct="0">
-                  <a:spcBef>
-                    <a:spcPct val="0"/>
-                  </a:spcBef>
-                  <a:spcAft>
-                    <a:spcPct val="0"/>
-                  </a:spcAft>
-                </a:pPr>
-                <a:r>
-                  <a:rPr kumimoji="0" lang="en-US" altLang="en-US" sz="2800" b="1" i="0" u="none" strike="noStrike" cap="none" normalizeH="0" baseline="0" dirty="0">
-                    <a:ln>
-                      <a:noFill/>
-                    </a:ln>
-                    <a:solidFill>
-                      <a:schemeClr val="tx1"/>
-                    </a:solidFill>
-                    <a:effectLst/>
-                  </a:rPr>
-                  <a:t>Romola S. Bucks</a:t>
-                </a:r>
-                <a:r>
-                  <a:rPr kumimoji="0" lang="en-US" altLang="en-US" sz="2800" b="1" i="0" u="none" strike="noStrike" cap="none" normalizeH="0" baseline="30000" dirty="0">
-                    <a:ln>
-                      <a:noFill/>
-                    </a:ln>
-                    <a:solidFill>
-                      <a:schemeClr val="tx1"/>
-                    </a:solidFill>
-                    <a:effectLst/>
-                  </a:rPr>
-                  <a:t>1,2,3</a:t>
-                </a:r>
-                <a:r>
-                  <a:rPr kumimoji="0" lang="en-US" altLang="en-US" sz="2800" b="1" i="0" u="none" strike="noStrike" cap="none" normalizeH="0" baseline="0" dirty="0">
-                    <a:ln>
-                      <a:noFill/>
-                    </a:ln>
-                    <a:solidFill>
-                      <a:schemeClr val="tx1"/>
-                    </a:solidFill>
-                    <a:effectLst/>
-                  </a:rPr>
-                  <a:t> Melissa J. Ree</a:t>
-                </a:r>
-                <a:r>
-                  <a:rPr kumimoji="0" lang="en-US" altLang="en-US" sz="2800" b="1" i="0" u="none" strike="noStrike" cap="none" normalizeH="0" baseline="30000" dirty="0">
-                    <a:ln>
-                      <a:noFill/>
-                    </a:ln>
-                    <a:solidFill>
-                      <a:schemeClr val="tx1"/>
-                    </a:solidFill>
-                    <a:effectLst/>
-                  </a:rPr>
-                  <a:t>1</a:t>
-                </a:r>
-              </a:p>
-              <a:p>
-                <a:pPr defTabSz="914400" eaLnBrk="0" fontAlgn="base" hangingPunct="0">
-                  <a:spcBef>
-                    <a:spcPct val="0"/>
-                  </a:spcBef>
-                  <a:spcAft>
-                    <a:spcPct val="0"/>
-                  </a:spcAft>
-                </a:pPr>
-                <a:r>
-                  <a:rPr kumimoji="0" lang="en-US" altLang="en-US" sz="2800" b="0" i="0" u="none" strike="noStrike" cap="none" normalizeH="0" baseline="30000" dirty="0">
-                    <a:ln>
-                      <a:noFill/>
-                    </a:ln>
-                    <a:solidFill>
-                      <a:schemeClr val="tx1"/>
-                    </a:solidFill>
-                    <a:effectLst/>
-                  </a:rPr>
-                  <a:t>1</a:t>
-                </a:r>
-                <a:r>
-                  <a:rPr kumimoji="0" lang="en-US" altLang="en-US" sz="2800" b="0" i="0" u="none" strike="noStrike" cap="none" normalizeH="0" baseline="0" dirty="0">
-                    <a:ln>
-                      <a:noFill/>
-                    </a:ln>
-                    <a:solidFill>
-                      <a:schemeClr val="tx1"/>
-                    </a:solidFill>
-                    <a:effectLst/>
-                  </a:rPr>
-                  <a:t> School of Psychological Science, The University of Western Australia</a:t>
-                </a:r>
-                <a:br>
-                  <a:rPr kumimoji="0" lang="en-US" altLang="en-US" sz="2800" b="0" i="0" u="none" strike="noStrike" cap="none" normalizeH="0" baseline="0" dirty="0">
-                    <a:ln>
-                      <a:noFill/>
-                    </a:ln>
-                    <a:solidFill>
-                      <a:schemeClr val="tx1"/>
-                    </a:solidFill>
-                    <a:effectLst/>
-                  </a:rPr>
-                </a:br>
-                <a:r>
-                  <a:rPr kumimoji="0" lang="en-US" altLang="en-US" sz="2800" b="0" i="0" u="none" strike="noStrike" cap="none" normalizeH="0" baseline="30000" dirty="0">
-                    <a:ln>
-                      <a:noFill/>
-                    </a:ln>
-                    <a:solidFill>
-                      <a:schemeClr val="tx1"/>
-                    </a:solidFill>
-                    <a:effectLst/>
-                  </a:rPr>
-                  <a:t>2</a:t>
-                </a:r>
-                <a:r>
-                  <a:rPr kumimoji="0" lang="en-US" altLang="en-US" sz="2800" b="0" i="0" u="none" strike="noStrike" cap="none" normalizeH="0" baseline="0" dirty="0">
-                    <a:ln>
-                      <a:noFill/>
-                    </a:ln>
-                    <a:solidFill>
-                      <a:schemeClr val="tx1"/>
-                    </a:solidFill>
-                    <a:effectLst/>
-                  </a:rPr>
-                  <a:t> School of Population and Global Health, The University of Western Australia</a:t>
-                </a:r>
-                <a:br>
-                  <a:rPr kumimoji="0" lang="en-US" altLang="en-US" sz="2800" b="0" i="0" u="none" strike="noStrike" cap="none" normalizeH="0" baseline="0" dirty="0">
-                    <a:ln>
-                      <a:noFill/>
-                    </a:ln>
-                    <a:solidFill>
-                      <a:schemeClr val="tx1"/>
-                    </a:solidFill>
-                    <a:effectLst/>
-                  </a:rPr>
-                </a:br>
-                <a:r>
-                  <a:rPr kumimoji="0" lang="en-US" altLang="en-US" sz="2800" b="0" i="0" u="none" strike="noStrike" cap="none" normalizeH="0" baseline="30000" dirty="0">
-                    <a:ln>
-                      <a:noFill/>
-                    </a:ln>
-                    <a:solidFill>
-                      <a:schemeClr val="tx1"/>
-                    </a:solidFill>
-                    <a:effectLst/>
-                  </a:rPr>
-                  <a:t>3</a:t>
-                </a:r>
-                <a:r>
-                  <a:rPr kumimoji="0" lang="en-US" altLang="en-US" sz="2800" b="0" i="0" u="none" strike="noStrike" cap="none" normalizeH="0" baseline="0" dirty="0">
-                    <a:ln>
-                      <a:noFill/>
-                    </a:ln>
-                    <a:solidFill>
-                      <a:schemeClr val="tx1"/>
-                    </a:solidFill>
-                    <a:effectLst/>
-                  </a:rPr>
-                  <a:t> Office of the Deputy Vice Chancellor, Research, The University of Western Australia </a:t>
-                </a:r>
-              </a:p>
-            </p:txBody>
-          </p:sp>
-          <p:pic>
-            <p:nvPicPr>
-              <p:cNvPr id="11" name="Picture 10" descr="A black cat with a white circle around it&#10;&#10;Description automatically generated">
-                <a:extLst>
-                  <a:ext uri="{FF2B5EF4-FFF2-40B4-BE49-F238E27FC236}">
-                    <a16:creationId xmlns:a16="http://schemas.microsoft.com/office/drawing/2014/main" id="{8658D8B3-9183-78F9-D70B-2BB481E1C624}"/>
-                  </a:ext>
-                </a:extLst>
-              </p:cNvPr>
-              <p:cNvPicPr>
-                <a:picLocks noChangeAspect="1"/>
-              </p:cNvPicPr>
-              <p:nvPr/>
-            </p:nvPicPr>
-            <p:blipFill>
-              <a:blip r:embed="rId10">
-                <a:duotone>
-                  <a:prstClr val="black"/>
-                  <a:schemeClr val="tx1">
-                    <a:tint val="45000"/>
-                    <a:satMod val="400000"/>
-                  </a:schemeClr>
-                </a:duotone>
-                <a:extLst>
-                  <a:ext uri="{BEBA8EAE-BF5A-486C-A8C5-ECC9F3942E4B}">
-                    <a14:imgProps xmlns:a14="http://schemas.microsoft.com/office/drawing/2010/main">
-                      <a14:imgLayer r:embed="rId11">
-                        <a14:imgEffect>
-                          <a14:artisticGlowEdges/>
-                        </a14:imgEffect>
-                      </a14:imgLayer>
-                    </a14:imgProps>
-                  </a:ext>
-                  <a:ext uri="{28A0092B-C50C-407E-A947-70E740481C1C}">
-                    <a14:useLocalDpi xmlns:a14="http://schemas.microsoft.com/office/drawing/2010/main" val="0"/>
-                  </a:ext>
-                </a:extLst>
-              </a:blip>
-              <a:stretch>
-                <a:fillRect/>
-              </a:stretch>
-            </p:blipFill>
-            <p:spPr>
-              <a:xfrm flipH="1">
-                <a:off x="713053" y="9598954"/>
-                <a:ext cx="415030" cy="407892"/>
-              </a:xfrm>
-              <a:prstGeom prst="rect">
-                <a:avLst/>
-              </a:prstGeom>
-            </p:spPr>
-          </p:pic>
-          <p:pic>
-            <p:nvPicPr>
-              <p:cNvPr id="12" name="Graphic 11" descr="Envelope with solid fill">
-                <a:extLst>
-                  <a:ext uri="{FF2B5EF4-FFF2-40B4-BE49-F238E27FC236}">
-                    <a16:creationId xmlns:a16="http://schemas.microsoft.com/office/drawing/2014/main" id="{3282DAAF-D51F-8908-4615-6595DAC4913E}"/>
-                  </a:ext>
-                </a:extLst>
-              </p:cNvPr>
-              <p:cNvPicPr>
-                <a:picLocks noChangeAspect="1"/>
-              </p:cNvPicPr>
-              <p:nvPr/>
-            </p:nvPicPr>
-            <p:blipFill>
-              <a:blip r:embed="rId12">
-                <a:extLst>
-                  <a:ext uri="{96DAC541-7B7A-43D3-8B79-37D633B846F1}">
-                    <asvg:svgBlip xmlns:asvg="http://schemas.microsoft.com/office/drawing/2016/SVG/main" r:embed="rId13"/>
-                  </a:ext>
-                </a:extLst>
-              </a:blip>
-              <a:stretch>
-                <a:fillRect/>
-              </a:stretch>
-            </p:blipFill>
-            <p:spPr>
-              <a:xfrm>
-                <a:off x="649553" y="8676974"/>
-                <a:ext cx="562935" cy="562935"/>
-              </a:xfrm>
-              <a:prstGeom prst="rect">
-                <a:avLst/>
-              </a:prstGeom>
-            </p:spPr>
-          </p:pic>
-        </p:grpSp>
-        <p:sp>
-          <p:nvSpPr>
-            <p:cNvPr id="19" name="TextBox 18">
-              <a:extLst>
-                <a:ext uri="{FF2B5EF4-FFF2-40B4-BE49-F238E27FC236}">
-                  <a16:creationId xmlns:a16="http://schemas.microsoft.com/office/drawing/2014/main" id="{15A72190-0E14-F65C-59C2-0EFFA17DCC82}"/>
-                </a:ext>
-              </a:extLst>
-            </p:cNvPr>
-            <p:cNvSpPr txBox="1"/>
-            <p:nvPr/>
-          </p:nvSpPr>
-          <p:spPr>
-            <a:xfrm>
-              <a:off x="315348" y="632948"/>
-              <a:ext cx="13302025" cy="6863417"/>
-            </a:xfrm>
-            <a:prstGeom prst="rect">
-              <a:avLst/>
-            </a:prstGeom>
-            <a:noFill/>
-          </p:spPr>
-          <p:txBody>
-            <a:bodyPr wrap="square" rtlCol="0">
-              <a:spAutoFit/>
-            </a:bodyPr>
-            <a:lstStyle/>
-            <a:p>
-              <a:r>
-                <a:rPr lang="en-US" sz="8800" b="1" dirty="0"/>
-                <a:t>Insomnia and sleep discrepancy: an investigation with cubic response surface analysis </a:t>
-              </a:r>
-              <a:r>
-                <a:rPr lang="en-US" sz="8800" b="1" dirty="0">
-                  <a:solidFill>
-                    <a:schemeClr val="bg2">
-                      <a:lumMod val="90000"/>
-                    </a:schemeClr>
-                  </a:solidFill>
-                </a:rPr>
-                <a:t>pilot study</a:t>
-              </a:r>
-              <a:endParaRPr lang="en-US" sz="8800" b="1" dirty="0"/>
-            </a:p>
-          </p:txBody>
-        </p:sp>
-        <p:sp>
-          <p:nvSpPr>
-            <p:cNvPr id="31" name="TextBox 30">
-              <a:extLst>
-                <a:ext uri="{FF2B5EF4-FFF2-40B4-BE49-F238E27FC236}">
-                  <a16:creationId xmlns:a16="http://schemas.microsoft.com/office/drawing/2014/main" id="{B9E485C8-E113-995A-90D0-18B310F7479C}"/>
-                </a:ext>
-              </a:extLst>
-            </p:cNvPr>
-            <p:cNvSpPr txBox="1"/>
-            <p:nvPr/>
-          </p:nvSpPr>
-          <p:spPr>
-            <a:xfrm>
-              <a:off x="224139" y="12860377"/>
-              <a:ext cx="9982200" cy="646331"/>
-            </a:xfrm>
-            <a:prstGeom prst="rect">
-              <a:avLst/>
-            </a:prstGeom>
-            <a:noFill/>
-          </p:spPr>
-          <p:txBody>
-            <a:bodyPr wrap="square" rtlCol="0">
-              <a:spAutoFit/>
-            </a:bodyPr>
-            <a:lstStyle/>
-            <a:p>
-              <a:r>
-                <a:rPr lang="en-US" sz="3600" b="1" dirty="0"/>
-                <a:t>Introduction</a:t>
-              </a:r>
-              <a:endParaRPr lang="en-AU" sz="3600" b="1" dirty="0"/>
-            </a:p>
-          </p:txBody>
-        </p:sp>
-        <p:sp>
-          <p:nvSpPr>
-            <p:cNvPr id="32" name="TextBox 31">
-              <a:extLst>
-                <a:ext uri="{FF2B5EF4-FFF2-40B4-BE49-F238E27FC236}">
-                  <a16:creationId xmlns:a16="http://schemas.microsoft.com/office/drawing/2014/main" id="{F39B29BC-A0C0-A213-929D-44076351415E}"/>
-                </a:ext>
-              </a:extLst>
-            </p:cNvPr>
-            <p:cNvSpPr txBox="1"/>
-            <p:nvPr/>
-          </p:nvSpPr>
-          <p:spPr>
-            <a:xfrm>
-              <a:off x="145246" y="13678487"/>
-              <a:ext cx="13393234" cy="4524315"/>
-            </a:xfrm>
-            <a:prstGeom prst="rect">
-              <a:avLst/>
-            </a:prstGeom>
-            <a:noFill/>
-          </p:spPr>
-          <p:txBody>
-            <a:bodyPr wrap="square">
-              <a:spAutoFit/>
-            </a:bodyPr>
-            <a:lstStyle/>
-            <a:p>
-              <a:pPr marL="571500" indent="-571500">
-                <a:buFont typeface="Wingdings" panose="05000000000000000000" pitchFamily="2" charset="2"/>
-                <a:buChar char="§"/>
-              </a:pPr>
-              <a:r>
-                <a:rPr lang="en-US" sz="3200" dirty="0"/>
-                <a:t>Sleep discrepancy is often operationalised as a derived index (e.g., self-report TST – objective TST)</a:t>
-              </a:r>
-            </a:p>
-            <a:p>
-              <a:pPr marL="571500" indent="-571500">
-                <a:buFont typeface="Wingdings" panose="05000000000000000000" pitchFamily="2" charset="2"/>
-                <a:buChar char="§"/>
-              </a:pPr>
-              <a:r>
-                <a:rPr lang="en-US" sz="3200" dirty="0"/>
-                <a:t>Cubic regression with response surface analysis solves many problems associated with the use of difference and ratio scores in </a:t>
-              </a:r>
-              <a:r>
-                <a:rPr lang="en-US" sz="3200" dirty="0" err="1"/>
-                <a:t>operationalising</a:t>
-              </a:r>
-              <a:r>
-                <a:rPr lang="en-US" sz="3200" dirty="0"/>
-                <a:t> sleep discrepancy</a:t>
-              </a:r>
-            </a:p>
-            <a:p>
-              <a:pPr marL="571500" indent="-571500">
-                <a:buFont typeface="Wingdings" panose="05000000000000000000" pitchFamily="2" charset="2"/>
-                <a:buChar char="§"/>
-              </a:pPr>
-              <a:r>
-                <a:rPr lang="en-US" sz="3200" dirty="0"/>
-                <a:t>Hypothesis:</a:t>
-              </a:r>
-            </a:p>
-            <a:p>
-              <a:pPr marL="1028700" lvl="1" indent="-571500">
-                <a:buFont typeface="+mj-lt"/>
-                <a:buAutoNum type="romanLcPeriod"/>
-              </a:pPr>
-              <a:r>
-                <a:rPr lang="en-US" sz="3200" dirty="0"/>
-                <a:t>Discrepancy effect (H1.1)</a:t>
-              </a:r>
-            </a:p>
-            <a:p>
-              <a:pPr marL="1028700" lvl="1" indent="-571500">
-                <a:buFont typeface="+mj-lt"/>
-                <a:buAutoNum type="romanLcPeriod"/>
-              </a:pPr>
-              <a:r>
-                <a:rPr lang="en-US" sz="3200" dirty="0"/>
-                <a:t>Discrepancy effect is asymmetric in the expected direction (H1.2)</a:t>
-              </a:r>
-            </a:p>
-            <a:p>
-              <a:pPr marL="1028700" lvl="1" indent="-571500">
-                <a:buFont typeface="+mj-lt"/>
-                <a:buAutoNum type="romanLcPeriod"/>
-              </a:pPr>
-              <a:r>
-                <a:rPr lang="en-US" sz="3200" dirty="0"/>
-                <a:t>Linear level effect (H1.3)</a:t>
-              </a:r>
-            </a:p>
-          </p:txBody>
-        </p:sp>
-        <p:sp>
-          <p:nvSpPr>
-            <p:cNvPr id="33" name="TextBox 32">
-              <a:extLst>
-                <a:ext uri="{FF2B5EF4-FFF2-40B4-BE49-F238E27FC236}">
-                  <a16:creationId xmlns:a16="http://schemas.microsoft.com/office/drawing/2014/main" id="{58990419-4FAA-C0F8-4E16-CA0EA5A00097}"/>
-                </a:ext>
-              </a:extLst>
-            </p:cNvPr>
-            <p:cNvSpPr txBox="1"/>
-            <p:nvPr/>
-          </p:nvSpPr>
-          <p:spPr>
-            <a:xfrm>
-              <a:off x="224139" y="18449934"/>
-              <a:ext cx="9982200" cy="646331"/>
-            </a:xfrm>
-            <a:prstGeom prst="rect">
-              <a:avLst/>
-            </a:prstGeom>
-            <a:noFill/>
-          </p:spPr>
-          <p:txBody>
-            <a:bodyPr wrap="square" rtlCol="0">
-              <a:spAutoFit/>
-            </a:bodyPr>
-            <a:lstStyle/>
-            <a:p>
-              <a:r>
-                <a:rPr lang="en-US" sz="3600" b="1" dirty="0"/>
-                <a:t>Method</a:t>
-              </a:r>
-              <a:endParaRPr lang="en-AU" sz="3600" b="1" dirty="0"/>
-            </a:p>
-          </p:txBody>
-        </p:sp>
-        <p:sp>
-          <p:nvSpPr>
-            <p:cNvPr id="34" name="TextBox 33">
-              <a:extLst>
-                <a:ext uri="{FF2B5EF4-FFF2-40B4-BE49-F238E27FC236}">
-                  <a16:creationId xmlns:a16="http://schemas.microsoft.com/office/drawing/2014/main" id="{5A2EEB29-5386-64A2-7B93-20773B9AA186}"/>
-                </a:ext>
-              </a:extLst>
-            </p:cNvPr>
-            <p:cNvSpPr txBox="1"/>
-            <p:nvPr/>
-          </p:nvSpPr>
-          <p:spPr>
-            <a:xfrm>
-              <a:off x="149592" y="19441643"/>
-              <a:ext cx="13643601" cy="2554545"/>
-            </a:xfrm>
-            <a:prstGeom prst="rect">
-              <a:avLst/>
-            </a:prstGeom>
-            <a:noFill/>
-          </p:spPr>
-          <p:txBody>
-            <a:bodyPr wrap="square">
-              <a:spAutoFit/>
-            </a:bodyPr>
-            <a:lstStyle/>
-            <a:p>
-              <a:pPr marL="571500" indent="-571500">
-                <a:buFont typeface="Wingdings" panose="05000000000000000000" pitchFamily="2" charset="2"/>
-                <a:buChar char="§"/>
-              </a:pPr>
-              <a:r>
-                <a:rPr lang="en-AU" sz="3200" dirty="0"/>
-                <a:t>Data from </a:t>
-              </a:r>
-              <a:r>
-                <a:rPr lang="en-AU" sz="3200" dirty="0" err="1"/>
-                <a:t>MrOS</a:t>
-              </a:r>
-              <a:r>
-                <a:rPr lang="en-AU" sz="3200" dirty="0"/>
-                <a:t> 1,022 community-dwelling men aged 65+ years.</a:t>
-              </a:r>
-            </a:p>
-            <a:p>
-              <a:pPr marL="571500" indent="-571500">
-                <a:buFont typeface="Wingdings" panose="05000000000000000000" pitchFamily="2" charset="2"/>
-                <a:buChar char="§"/>
-              </a:pPr>
-              <a:r>
-                <a:rPr lang="en-US" sz="3200" dirty="0"/>
-                <a:t>Total sleep time (TST) from single-night polysomnography (PSG)</a:t>
-              </a:r>
-            </a:p>
-            <a:p>
-              <a:pPr marL="571500" indent="-571500">
-                <a:buFont typeface="Wingdings" panose="05000000000000000000" pitchFamily="2" charset="2"/>
-                <a:buChar char="§"/>
-              </a:pPr>
-              <a:r>
-                <a:rPr lang="en-US" sz="3200" dirty="0"/>
-                <a:t>Self reported TST from morning questionnaire</a:t>
-              </a:r>
-            </a:p>
-            <a:p>
-              <a:pPr marL="571500" indent="-571500">
-                <a:buFont typeface="Wingdings" panose="05000000000000000000" pitchFamily="2" charset="2"/>
-                <a:buChar char="§"/>
-              </a:pPr>
-              <a:r>
-                <a:rPr lang="en-US" sz="3200" dirty="0"/>
-                <a:t>Insomnia severity index (ISI) to measure insomnia symptom severity</a:t>
-              </a:r>
-            </a:p>
-            <a:p>
-              <a:pPr marL="571500" indent="-571500">
-                <a:buFont typeface="Wingdings" panose="05000000000000000000" pitchFamily="2" charset="2"/>
-                <a:buChar char="§"/>
-              </a:pPr>
-              <a:endParaRPr lang="en-US" sz="3200" dirty="0"/>
-            </a:p>
-          </p:txBody>
-        </p:sp>
-        <p:pic>
-          <p:nvPicPr>
-            <p:cNvPr id="36" name="Picture 35">
-              <a:extLst>
-                <a:ext uri="{FF2B5EF4-FFF2-40B4-BE49-F238E27FC236}">
-                  <a16:creationId xmlns:a16="http://schemas.microsoft.com/office/drawing/2014/main" id="{596DA6AA-FC80-4777-1F59-06330647F3FF}"/>
-                </a:ext>
-              </a:extLst>
-            </p:cNvPr>
-            <p:cNvPicPr>
-              <a:picLocks noChangeAspect="1"/>
-            </p:cNvPicPr>
-            <p:nvPr/>
-          </p:nvPicPr>
-          <p:blipFill>
-            <a:blip r:embed="rId14"/>
-            <a:stretch>
-              <a:fillRect/>
-            </a:stretch>
-          </p:blipFill>
-          <p:spPr>
-            <a:xfrm>
-              <a:off x="611463" y="21926235"/>
-              <a:ext cx="12593065" cy="584775"/>
-            </a:xfrm>
-            <a:prstGeom prst="rect">
-              <a:avLst/>
-            </a:prstGeom>
-          </p:spPr>
-        </p:pic>
-        <p:pic>
-          <p:nvPicPr>
-            <p:cNvPr id="38" name="Picture 37">
-              <a:extLst>
-                <a:ext uri="{FF2B5EF4-FFF2-40B4-BE49-F238E27FC236}">
-                  <a16:creationId xmlns:a16="http://schemas.microsoft.com/office/drawing/2014/main" id="{6A67FDBF-6A10-2DDC-5BE7-EB590967376B}"/>
-                </a:ext>
-              </a:extLst>
-            </p:cNvPr>
-            <p:cNvPicPr>
-              <a:picLocks noChangeAspect="1"/>
-            </p:cNvPicPr>
-            <p:nvPr/>
-          </p:nvPicPr>
-          <p:blipFill>
-            <a:blip r:embed="rId15"/>
-            <a:stretch>
-              <a:fillRect/>
-            </a:stretch>
-          </p:blipFill>
-          <p:spPr>
-            <a:xfrm>
-              <a:off x="145246" y="28578086"/>
-              <a:ext cx="13525500" cy="2542464"/>
-            </a:xfrm>
-            <a:prstGeom prst="rect">
-              <a:avLst/>
-            </a:prstGeom>
-          </p:spPr>
-        </p:pic>
-        <p:sp>
-          <p:nvSpPr>
-            <p:cNvPr id="39" name="TextBox 38">
-              <a:extLst>
-                <a:ext uri="{FF2B5EF4-FFF2-40B4-BE49-F238E27FC236}">
-                  <a16:creationId xmlns:a16="http://schemas.microsoft.com/office/drawing/2014/main" id="{8922AE54-B37D-0631-F27F-BDABC1E6CEC7}"/>
-                </a:ext>
-              </a:extLst>
-            </p:cNvPr>
-            <p:cNvSpPr txBox="1"/>
-            <p:nvPr/>
-          </p:nvSpPr>
-          <p:spPr>
-            <a:xfrm>
-              <a:off x="224139" y="27204405"/>
-              <a:ext cx="9982200" cy="646331"/>
-            </a:xfrm>
-            <a:prstGeom prst="rect">
-              <a:avLst/>
-            </a:prstGeom>
-            <a:noFill/>
-          </p:spPr>
-          <p:txBody>
-            <a:bodyPr wrap="square" rtlCol="0">
-              <a:spAutoFit/>
-            </a:bodyPr>
-            <a:lstStyle/>
-            <a:p>
-              <a:r>
-                <a:rPr lang="en-US" sz="3600" b="1" dirty="0"/>
-                <a:t>Results</a:t>
-              </a:r>
-              <a:endParaRPr lang="en-AU" sz="3600" b="1" dirty="0"/>
-            </a:p>
-          </p:txBody>
-        </p:sp>
-        <p:sp>
-          <p:nvSpPr>
-            <p:cNvPr id="41" name="TextBox 40">
-              <a:extLst>
-                <a:ext uri="{FF2B5EF4-FFF2-40B4-BE49-F238E27FC236}">
-                  <a16:creationId xmlns:a16="http://schemas.microsoft.com/office/drawing/2014/main" id="{904819E7-39C0-DA4E-520E-E7C4132D7C9E}"/>
-                </a:ext>
-              </a:extLst>
-            </p:cNvPr>
-            <p:cNvSpPr txBox="1"/>
-            <p:nvPr/>
-          </p:nvSpPr>
-          <p:spPr>
-            <a:xfrm>
-              <a:off x="145246" y="22905303"/>
-              <a:ext cx="13382912" cy="1077218"/>
-            </a:xfrm>
-            <a:prstGeom prst="rect">
-              <a:avLst/>
-            </a:prstGeom>
-            <a:noFill/>
-          </p:spPr>
-          <p:txBody>
-            <a:bodyPr wrap="square">
-              <a:spAutoFit/>
-            </a:bodyPr>
-            <a:lstStyle/>
-            <a:p>
-              <a:pPr marL="457200" indent="-457200">
-                <a:buFont typeface="Wingdings" panose="05000000000000000000" pitchFamily="2" charset="2"/>
-                <a:buChar char="§"/>
-              </a:pPr>
-              <a:r>
-                <a:rPr lang="en-AU" sz="3200" dirty="0"/>
-                <a:t>Rising ridge congruence surface b</a:t>
-              </a:r>
-              <a:r>
-                <a:rPr lang="en-AU" sz="3200" baseline="-25000" dirty="0"/>
-                <a:t>1</a:t>
-              </a:r>
-              <a:r>
-                <a:rPr lang="en-AU" sz="3200" dirty="0"/>
-                <a:t> = b</a:t>
-              </a:r>
-              <a:r>
-                <a:rPr lang="en-AU" sz="3200" baseline="-25000" dirty="0"/>
-                <a:t>2</a:t>
-              </a:r>
-              <a:r>
-                <a:rPr lang="en-AU" sz="3200" dirty="0"/>
-                <a:t>,</a:t>
-              </a:r>
-              <a:r>
-                <a:rPr lang="en-AU" sz="3200" baseline="-25000" dirty="0"/>
-                <a:t> </a:t>
-              </a:r>
-              <a:r>
-                <a:rPr lang="en-AU" sz="3200" dirty="0"/>
-                <a:t>b</a:t>
-              </a:r>
-              <a:r>
-                <a:rPr lang="en-AU" sz="3200" baseline="-25000" dirty="0"/>
-                <a:t>4</a:t>
-              </a:r>
-              <a:r>
-                <a:rPr lang="en-AU" sz="3200" dirty="0"/>
-                <a:t> = −2 ∗ b</a:t>
-              </a:r>
-              <a:r>
-                <a:rPr lang="en-AU" sz="3200" baseline="-25000" dirty="0"/>
-                <a:t>3</a:t>
-              </a:r>
-              <a:r>
-                <a:rPr lang="en-AU" sz="3200" dirty="0"/>
-                <a:t>,</a:t>
-              </a:r>
-              <a:r>
-                <a:rPr lang="en-AU" sz="3200" baseline="-25000" dirty="0"/>
-                <a:t> </a:t>
-              </a:r>
-              <a:r>
-                <a:rPr lang="en-AU" sz="3200" dirty="0"/>
-                <a:t>b</a:t>
-              </a:r>
-              <a:r>
-                <a:rPr lang="en-AU" sz="3200" baseline="-25000" dirty="0"/>
-                <a:t>5</a:t>
-              </a:r>
-              <a:r>
-                <a:rPr lang="en-AU" sz="3200" dirty="0"/>
-                <a:t> = b</a:t>
-              </a:r>
-              <a:r>
-                <a:rPr lang="en-AU" sz="3200" baseline="-25000" dirty="0"/>
-                <a:t>3</a:t>
-              </a:r>
-              <a:r>
-                <a:rPr lang="en-AU" sz="3200" dirty="0"/>
-                <a:t>,</a:t>
-              </a:r>
-              <a:r>
-                <a:rPr lang="en-AU" sz="3200" baseline="-25000" dirty="0"/>
-                <a:t> </a:t>
-              </a:r>
-              <a:r>
-                <a:rPr lang="en-AU" sz="3200" dirty="0"/>
-                <a:t>b</a:t>
-              </a:r>
-              <a:r>
-                <a:rPr lang="en-AU" sz="3200" baseline="-25000" dirty="0"/>
-                <a:t>7</a:t>
-              </a:r>
-              <a:r>
-                <a:rPr lang="en-AU" sz="3200" dirty="0"/>
-                <a:t> = −3 ∗ b</a:t>
-              </a:r>
-              <a:r>
-                <a:rPr lang="en-AU" sz="3200" baseline="-25000" dirty="0"/>
-                <a:t>6</a:t>
-              </a:r>
-              <a:r>
-                <a:rPr lang="en-AU" sz="3200" dirty="0"/>
-                <a:t>,</a:t>
-              </a:r>
-              <a:endParaRPr lang="en-AU" sz="3200" baseline="-25000" dirty="0"/>
-            </a:p>
-            <a:p>
-              <a:r>
-                <a:rPr lang="en-AU" sz="3200" dirty="0"/>
-                <a:t>	b</a:t>
-              </a:r>
-              <a:r>
-                <a:rPr lang="en-AU" sz="3200" baseline="-25000" dirty="0"/>
-                <a:t>8</a:t>
-              </a:r>
-              <a:r>
-                <a:rPr lang="en-AU" sz="3200" dirty="0"/>
-                <a:t> = 3 ∗ b</a:t>
-              </a:r>
-              <a:r>
-                <a:rPr lang="en-AU" sz="3200" baseline="-25000" dirty="0"/>
-                <a:t>6</a:t>
-              </a:r>
-              <a:r>
-                <a:rPr lang="en-AU" sz="3200" dirty="0"/>
-                <a:t>, b</a:t>
-              </a:r>
-              <a:r>
-                <a:rPr lang="en-AU" sz="3200" baseline="-25000" dirty="0"/>
-                <a:t>9</a:t>
-              </a:r>
-              <a:r>
-                <a:rPr lang="en-AU" sz="3200" dirty="0"/>
-                <a:t> = −b</a:t>
-              </a:r>
-              <a:r>
-                <a:rPr lang="en-AU" sz="3200" baseline="-25000" dirty="0"/>
-                <a:t>6</a:t>
-              </a:r>
-            </a:p>
-          </p:txBody>
-        </p:sp>
-        <p:sp>
-          <p:nvSpPr>
-            <p:cNvPr id="43" name="TextBox 42">
-              <a:extLst>
-                <a:ext uri="{FF2B5EF4-FFF2-40B4-BE49-F238E27FC236}">
-                  <a16:creationId xmlns:a16="http://schemas.microsoft.com/office/drawing/2014/main" id="{A27AFE22-0EAF-FF2E-5F53-5980F18D6A02}"/>
-                </a:ext>
-              </a:extLst>
-            </p:cNvPr>
-            <p:cNvSpPr txBox="1"/>
-            <p:nvPr/>
-          </p:nvSpPr>
-          <p:spPr>
-            <a:xfrm>
-              <a:off x="173650" y="24591196"/>
-              <a:ext cx="13378421" cy="2062103"/>
-            </a:xfrm>
-            <a:prstGeom prst="rect">
-              <a:avLst/>
-            </a:prstGeom>
-            <a:noFill/>
-          </p:spPr>
-          <p:txBody>
-            <a:bodyPr wrap="square">
-              <a:spAutoFit/>
-            </a:bodyPr>
-            <a:lstStyle/>
-            <a:p>
-              <a:pPr marL="285750" indent="-285750">
-                <a:buFont typeface="Wingdings" panose="05000000000000000000" pitchFamily="2" charset="2"/>
-                <a:buChar char="§"/>
-              </a:pPr>
-              <a:r>
-                <a:rPr lang="en-AU" sz="3200" dirty="0"/>
-                <a:t>b</a:t>
-              </a:r>
-              <a:r>
-                <a:rPr lang="en-AU" sz="3200" baseline="-25000" dirty="0"/>
-                <a:t>3</a:t>
-              </a:r>
-              <a:r>
-                <a:rPr lang="en-AU" sz="3200" dirty="0"/>
-                <a:t> discrepancy effect (H1.1) must be significantly positive</a:t>
-              </a:r>
-            </a:p>
-            <a:p>
-              <a:pPr marL="285750" indent="-285750">
-                <a:buFont typeface="Wingdings" panose="05000000000000000000" pitchFamily="2" charset="2"/>
-                <a:buChar char="§"/>
-              </a:pPr>
-              <a:r>
-                <a:rPr lang="en-AU" sz="3200" dirty="0"/>
-                <a:t>b</a:t>
-              </a:r>
-              <a:r>
-                <a:rPr lang="en-AU" sz="3200" baseline="-25000" dirty="0"/>
-                <a:t>6</a:t>
-              </a:r>
-              <a:r>
-                <a:rPr lang="en-AU" sz="3200" dirty="0"/>
-                <a:t> direction &amp; presence of asymmetry (H1.2) must be significantly negative </a:t>
-              </a:r>
-            </a:p>
-            <a:p>
-              <a:pPr marL="285750" indent="-285750">
-                <a:buFont typeface="Wingdings" panose="05000000000000000000" pitchFamily="2" charset="2"/>
-                <a:buChar char="§"/>
-              </a:pPr>
-              <a:r>
-                <a:rPr lang="en-AU" sz="3200" dirty="0"/>
-                <a:t>u</a:t>
-              </a:r>
-              <a:r>
-                <a:rPr lang="en-AU" sz="3200" baseline="-25000" dirty="0"/>
-                <a:t>1</a:t>
-              </a:r>
-              <a:r>
-                <a:rPr lang="en-AU" sz="3200" dirty="0"/>
-                <a:t> (b</a:t>
-              </a:r>
-              <a:r>
-                <a:rPr lang="en-AU" sz="3200" baseline="-25000" dirty="0"/>
-                <a:t>1</a:t>
-              </a:r>
-              <a:r>
-                <a:rPr lang="en-AU" sz="3200" dirty="0"/>
-                <a:t> + b</a:t>
-              </a:r>
-              <a:r>
-                <a:rPr lang="en-AU" sz="3200" baseline="-25000" dirty="0"/>
-                <a:t>2</a:t>
-              </a:r>
-              <a:r>
-                <a:rPr lang="en-AU" sz="3200" dirty="0"/>
-                <a:t>) linear level effect (H1.3) must be significantly negative</a:t>
-              </a:r>
-            </a:p>
-          </p:txBody>
-        </p:sp>
-        <p:sp>
-          <p:nvSpPr>
-            <p:cNvPr id="8" name="TextBox 7">
-              <a:extLst>
-                <a:ext uri="{FF2B5EF4-FFF2-40B4-BE49-F238E27FC236}">
-                  <a16:creationId xmlns:a16="http://schemas.microsoft.com/office/drawing/2014/main" id="{43DB2295-BBFE-0999-A0E9-BF8A023AACDB}"/>
-                </a:ext>
-              </a:extLst>
-            </p:cNvPr>
-            <p:cNvSpPr txBox="1"/>
-            <p:nvPr/>
-          </p:nvSpPr>
-          <p:spPr>
-            <a:xfrm>
-              <a:off x="713053" y="28024893"/>
-              <a:ext cx="12535414" cy="584775"/>
-            </a:xfrm>
-            <a:prstGeom prst="rect">
-              <a:avLst/>
-            </a:prstGeom>
-            <a:noFill/>
-          </p:spPr>
-          <p:txBody>
-            <a:bodyPr wrap="square" rtlCol="0">
-              <a:spAutoFit/>
-            </a:bodyPr>
-            <a:lstStyle/>
-            <a:p>
-              <a:r>
-                <a:rPr lang="en-US" sz="3200" dirty="0">
-                  <a:solidFill>
-                    <a:schemeClr val="bg2">
-                      <a:lumMod val="25000"/>
-                    </a:schemeClr>
-                  </a:solidFill>
-                </a:rPr>
-                <a:t>Table 1. Parameters for rising ridge asymmetric congruence model</a:t>
-              </a:r>
-              <a:endParaRPr lang="en-AU" sz="3200" dirty="0">
-                <a:solidFill>
-                  <a:schemeClr val="bg2">
-                    <a:lumMod val="25000"/>
-                  </a:schemeClr>
-                </a:solidFill>
-              </a:endParaRPr>
-            </a:p>
-          </p:txBody>
-        </p:sp>
-      </p:grpSp>
-    </p:spTree>
-    <p:extLst>
-      <p:ext uri="{BB962C8B-B14F-4D97-AF65-F5344CB8AC3E}">
-        <p14:creationId xmlns:p14="http://schemas.microsoft.com/office/powerpoint/2010/main" val="3617270145"/>
       </p:ext>
     </p:extLst>
   </p:cSld>
